--- a/Implementation of Classification and DSS.pptx
+++ b/Implementation of Classification and DSS.pptx
@@ -5,7 +5,8 @@
     <p:sldMasterId id="2147483648" r:id="rId1"/>
   </p:sldMasterIdLst>
   <p:sldIdLst>
-    <p:sldId id="256" r:id="rId3"/>
+    <p:sldId id="256" r:id="rId2"/>
+    <p:sldId id="275" r:id="rId3"/>
     <p:sldId id="257" r:id="rId4"/>
     <p:sldId id="258" r:id="rId5"/>
     <p:sldId id="259" r:id="rId6"/>
@@ -122,6 +123,11 @@
       </a:defRPr>
     </a:lvl9pPr>
   </p:defaultTextStyle>
+  <p:extLst>
+    <p:ext uri="{EFAFB233-063F-42B5-8137-9DF3F51BA10A}">
+      <p15:sldGuideLst xmlns:p15="http://schemas.microsoft.com/office/powerpoint/2012/main"/>
+    </p:ext>
+  </p:extLst>
 </p:presentation>
 </file>
 
@@ -167,10 +173,9 @@
           </a:lstStyle>
           <a:p>
             <a:r>
-              <a:rPr lang="en-US" smtClean="0"/>
+              <a:rPr lang="en-US"/>
               <a:t>Click to edit Master title style</a:t>
             </a:r>
-            <a:endParaRPr lang="en-US"/>
           </a:p>
         </p:txBody>
       </p:sp>
@@ -232,10 +237,9 @@
           </a:lstStyle>
           <a:p>
             <a:r>
-              <a:rPr lang="en-US" smtClean="0"/>
+              <a:rPr lang="en-US"/>
               <a:t>Click to edit Master subtitle style</a:t>
             </a:r>
-            <a:endParaRPr lang="en-US"/>
           </a:p>
         </p:txBody>
       </p:sp>
@@ -256,6 +260,7 @@
           <a:p>
             <a:fld id="{63A1C593-65D0-4073-BCC9-577B9352EA97}" type="datetimeFigureOut">
               <a:rPr lang="en-US" smtClean="0"/>
+              <a:t>1/4/2024</a:t>
             </a:fld>
             <a:endParaRPr lang="en-US"/>
           </a:p>
@@ -297,6 +302,7 @@
           <a:p>
             <a:fld id="{9B618960-8005-486C-9A75-10CB2AAC16F9}" type="slidenum">
               <a:rPr lang="en-US" smtClean="0"/>
+              <a:t>‹#›</a:t>
             </a:fld>
             <a:endParaRPr lang="en-US"/>
           </a:p>
@@ -343,10 +349,9 @@
           <a:lstStyle/>
           <a:p>
             <a:r>
-              <a:rPr lang="en-US" smtClean="0"/>
+              <a:rPr lang="en-US"/>
               <a:t>Click to edit Master title style</a:t>
             </a:r>
-            <a:endParaRPr lang="en-US"/>
           </a:p>
         </p:txBody>
       </p:sp>
@@ -367,42 +372,37 @@
           <a:p>
             <a:pPr lvl="0"/>
             <a:r>
-              <a:rPr lang="en-US" smtClean="0"/>
+              <a:rPr lang="en-US"/>
               <a:t>Click to edit Master text styles</a:t>
             </a:r>
-            <a:endParaRPr lang="en-US" smtClean="0"/>
           </a:p>
           <a:p>
             <a:pPr lvl="1"/>
             <a:r>
-              <a:rPr lang="en-US" smtClean="0"/>
+              <a:rPr lang="en-US"/>
               <a:t>Second level</a:t>
             </a:r>
-            <a:endParaRPr lang="en-US" smtClean="0"/>
           </a:p>
           <a:p>
             <a:pPr lvl="2"/>
             <a:r>
-              <a:rPr lang="en-US" smtClean="0"/>
+              <a:rPr lang="en-US"/>
               <a:t>Third level</a:t>
             </a:r>
-            <a:endParaRPr lang="en-US" smtClean="0"/>
           </a:p>
           <a:p>
             <a:pPr lvl="3"/>
             <a:r>
-              <a:rPr lang="en-US" smtClean="0"/>
+              <a:rPr lang="en-US"/>
               <a:t>Fourth level</a:t>
             </a:r>
-            <a:endParaRPr lang="en-US" smtClean="0"/>
           </a:p>
           <a:p>
             <a:pPr lvl="4"/>
             <a:r>
-              <a:rPr lang="en-US" smtClean="0"/>
+              <a:rPr lang="en-US"/>
               <a:t>Fifth level</a:t>
             </a:r>
-            <a:endParaRPr lang="en-US"/>
           </a:p>
         </p:txBody>
       </p:sp>
@@ -423,6 +423,7 @@
           <a:p>
             <a:fld id="{63A1C593-65D0-4073-BCC9-577B9352EA97}" type="datetimeFigureOut">
               <a:rPr lang="en-US" smtClean="0"/>
+              <a:t>1/4/2024</a:t>
             </a:fld>
             <a:endParaRPr lang="en-US"/>
           </a:p>
@@ -464,6 +465,7 @@
           <a:p>
             <a:fld id="{9B618960-8005-486C-9A75-10CB2AAC16F9}" type="slidenum">
               <a:rPr lang="en-US" smtClean="0"/>
+              <a:t>‹#›</a:t>
             </a:fld>
             <a:endParaRPr lang="en-US"/>
           </a:p>
@@ -515,10 +517,9 @@
           <a:lstStyle/>
           <a:p>
             <a:r>
-              <a:rPr lang="en-US" smtClean="0"/>
+              <a:rPr lang="en-US"/>
               <a:t>Click to edit Master title style</a:t>
             </a:r>
-            <a:endParaRPr lang="en-US"/>
           </a:p>
         </p:txBody>
       </p:sp>
@@ -544,42 +545,37 @@
           <a:p>
             <a:pPr lvl="0"/>
             <a:r>
-              <a:rPr lang="en-US" smtClean="0"/>
+              <a:rPr lang="en-US"/>
               <a:t>Click to edit Master text styles</a:t>
             </a:r>
-            <a:endParaRPr lang="en-US" smtClean="0"/>
           </a:p>
           <a:p>
             <a:pPr lvl="1"/>
             <a:r>
-              <a:rPr lang="en-US" smtClean="0"/>
+              <a:rPr lang="en-US"/>
               <a:t>Second level</a:t>
             </a:r>
-            <a:endParaRPr lang="en-US" smtClean="0"/>
           </a:p>
           <a:p>
             <a:pPr lvl="2"/>
             <a:r>
-              <a:rPr lang="en-US" smtClean="0"/>
+              <a:rPr lang="en-US"/>
               <a:t>Third level</a:t>
             </a:r>
-            <a:endParaRPr lang="en-US" smtClean="0"/>
           </a:p>
           <a:p>
             <a:pPr lvl="3"/>
             <a:r>
-              <a:rPr lang="en-US" smtClean="0"/>
+              <a:rPr lang="en-US"/>
               <a:t>Fourth level</a:t>
             </a:r>
-            <a:endParaRPr lang="en-US" smtClean="0"/>
           </a:p>
           <a:p>
             <a:pPr lvl="4"/>
             <a:r>
-              <a:rPr lang="en-US" smtClean="0"/>
+              <a:rPr lang="en-US"/>
               <a:t>Fifth level</a:t>
             </a:r>
-            <a:endParaRPr lang="en-US"/>
           </a:p>
         </p:txBody>
       </p:sp>
@@ -600,6 +596,7 @@
           <a:p>
             <a:fld id="{63A1C593-65D0-4073-BCC9-577B9352EA97}" type="datetimeFigureOut">
               <a:rPr lang="en-US" smtClean="0"/>
+              <a:t>1/4/2024</a:t>
             </a:fld>
             <a:endParaRPr lang="en-US"/>
           </a:p>
@@ -641,6 +638,7 @@
           <a:p>
             <a:fld id="{9B618960-8005-486C-9A75-10CB2AAC16F9}" type="slidenum">
               <a:rPr lang="en-US" smtClean="0"/>
+              <a:t>‹#›</a:t>
             </a:fld>
             <a:endParaRPr lang="en-US"/>
           </a:p>
@@ -687,10 +685,9 @@
           <a:lstStyle/>
           <a:p>
             <a:r>
-              <a:rPr lang="en-US" smtClean="0"/>
+              <a:rPr lang="en-US"/>
               <a:t>Click to edit Master title style</a:t>
             </a:r>
-            <a:endParaRPr lang="en-US"/>
           </a:p>
         </p:txBody>
       </p:sp>
@@ -711,42 +708,37 @@
           <a:p>
             <a:pPr lvl="0"/>
             <a:r>
-              <a:rPr lang="en-US" smtClean="0"/>
+              <a:rPr lang="en-US"/>
               <a:t>Click to edit Master text styles</a:t>
             </a:r>
-            <a:endParaRPr lang="en-US" smtClean="0"/>
           </a:p>
           <a:p>
             <a:pPr lvl="1"/>
             <a:r>
-              <a:rPr lang="en-US" smtClean="0"/>
+              <a:rPr lang="en-US"/>
               <a:t>Second level</a:t>
             </a:r>
-            <a:endParaRPr lang="en-US" smtClean="0"/>
           </a:p>
           <a:p>
             <a:pPr lvl="2"/>
             <a:r>
-              <a:rPr lang="en-US" smtClean="0"/>
+              <a:rPr lang="en-US"/>
               <a:t>Third level</a:t>
             </a:r>
-            <a:endParaRPr lang="en-US" smtClean="0"/>
           </a:p>
           <a:p>
             <a:pPr lvl="3"/>
             <a:r>
-              <a:rPr lang="en-US" smtClean="0"/>
+              <a:rPr lang="en-US"/>
               <a:t>Fourth level</a:t>
             </a:r>
-            <a:endParaRPr lang="en-US" smtClean="0"/>
           </a:p>
           <a:p>
             <a:pPr lvl="4"/>
             <a:r>
-              <a:rPr lang="en-US" smtClean="0"/>
+              <a:rPr lang="en-US"/>
               <a:t>Fifth level</a:t>
             </a:r>
-            <a:endParaRPr lang="en-US"/>
           </a:p>
         </p:txBody>
       </p:sp>
@@ -767,6 +759,7 @@
           <a:p>
             <a:fld id="{63A1C593-65D0-4073-BCC9-577B9352EA97}" type="datetimeFigureOut">
               <a:rPr lang="en-US" smtClean="0"/>
+              <a:t>1/4/2024</a:t>
             </a:fld>
             <a:endParaRPr lang="en-US"/>
           </a:p>
@@ -808,6 +801,7 @@
           <a:p>
             <a:fld id="{9B618960-8005-486C-9A75-10CB2AAC16F9}" type="slidenum">
               <a:rPr lang="en-US" smtClean="0"/>
+              <a:t>‹#›</a:t>
             </a:fld>
             <a:endParaRPr lang="en-US"/>
           </a:p>
@@ -863,10 +857,9 @@
           </a:lstStyle>
           <a:p>
             <a:r>
-              <a:rPr lang="en-US" smtClean="0"/>
+              <a:rPr lang="en-US"/>
               <a:t>Click to edit Master title style</a:t>
             </a:r>
-            <a:endParaRPr lang="en-US"/>
           </a:p>
         </p:txBody>
       </p:sp>
@@ -983,10 +976,9 @@
           <a:p>
             <a:pPr lvl="0"/>
             <a:r>
-              <a:rPr lang="en-US" smtClean="0"/>
+              <a:rPr lang="en-US"/>
               <a:t>Click to edit Master text styles</a:t>
             </a:r>
-            <a:endParaRPr lang="en-US" smtClean="0"/>
           </a:p>
         </p:txBody>
       </p:sp>
@@ -1007,6 +999,7 @@
           <a:p>
             <a:fld id="{63A1C593-65D0-4073-BCC9-577B9352EA97}" type="datetimeFigureOut">
               <a:rPr lang="en-US" smtClean="0"/>
+              <a:t>1/4/2024</a:t>
             </a:fld>
             <a:endParaRPr lang="en-US"/>
           </a:p>
@@ -1048,6 +1041,7 @@
           <a:p>
             <a:fld id="{9B618960-8005-486C-9A75-10CB2AAC16F9}" type="slidenum">
               <a:rPr lang="en-US" smtClean="0"/>
+              <a:t>‹#›</a:t>
             </a:fld>
             <a:endParaRPr lang="en-US"/>
           </a:p>
@@ -1094,10 +1088,9 @@
           <a:lstStyle/>
           <a:p>
             <a:r>
-              <a:rPr lang="en-US" smtClean="0"/>
+              <a:rPr lang="en-US"/>
               <a:t>Click to edit Master title style</a:t>
             </a:r>
-            <a:endParaRPr lang="en-US"/>
           </a:p>
         </p:txBody>
       </p:sp>
@@ -1123,42 +1116,37 @@
           <a:p>
             <a:pPr lvl="0"/>
             <a:r>
-              <a:rPr lang="en-US" smtClean="0"/>
+              <a:rPr lang="en-US"/>
               <a:t>Click to edit Master text styles</a:t>
             </a:r>
-            <a:endParaRPr lang="en-US" smtClean="0"/>
           </a:p>
           <a:p>
             <a:pPr lvl="1"/>
             <a:r>
-              <a:rPr lang="en-US" smtClean="0"/>
+              <a:rPr lang="en-US"/>
               <a:t>Second level</a:t>
             </a:r>
-            <a:endParaRPr lang="en-US" smtClean="0"/>
           </a:p>
           <a:p>
             <a:pPr lvl="2"/>
             <a:r>
-              <a:rPr lang="en-US" smtClean="0"/>
+              <a:rPr lang="en-US"/>
               <a:t>Third level</a:t>
             </a:r>
-            <a:endParaRPr lang="en-US" smtClean="0"/>
           </a:p>
           <a:p>
             <a:pPr lvl="3"/>
             <a:r>
-              <a:rPr lang="en-US" smtClean="0"/>
+              <a:rPr lang="en-US"/>
               <a:t>Fourth level</a:t>
             </a:r>
-            <a:endParaRPr lang="en-US" smtClean="0"/>
           </a:p>
           <a:p>
             <a:pPr lvl="4"/>
             <a:r>
-              <a:rPr lang="en-US" smtClean="0"/>
+              <a:rPr lang="en-US"/>
               <a:t>Fifth level</a:t>
             </a:r>
-            <a:endParaRPr lang="en-US"/>
           </a:p>
         </p:txBody>
       </p:sp>
@@ -1184,42 +1172,37 @@
           <a:p>
             <a:pPr lvl="0"/>
             <a:r>
-              <a:rPr lang="en-US" smtClean="0"/>
+              <a:rPr lang="en-US"/>
               <a:t>Click to edit Master text styles</a:t>
             </a:r>
-            <a:endParaRPr lang="en-US" smtClean="0"/>
           </a:p>
           <a:p>
             <a:pPr lvl="1"/>
             <a:r>
-              <a:rPr lang="en-US" smtClean="0"/>
+              <a:rPr lang="en-US"/>
               <a:t>Second level</a:t>
             </a:r>
-            <a:endParaRPr lang="en-US" smtClean="0"/>
           </a:p>
           <a:p>
             <a:pPr lvl="2"/>
             <a:r>
-              <a:rPr lang="en-US" smtClean="0"/>
+              <a:rPr lang="en-US"/>
               <a:t>Third level</a:t>
             </a:r>
-            <a:endParaRPr lang="en-US" smtClean="0"/>
           </a:p>
           <a:p>
             <a:pPr lvl="3"/>
             <a:r>
-              <a:rPr lang="en-US" smtClean="0"/>
+              <a:rPr lang="en-US"/>
               <a:t>Fourth level</a:t>
             </a:r>
-            <a:endParaRPr lang="en-US" smtClean="0"/>
           </a:p>
           <a:p>
             <a:pPr lvl="4"/>
             <a:r>
-              <a:rPr lang="en-US" smtClean="0"/>
+              <a:rPr lang="en-US"/>
               <a:t>Fifth level</a:t>
             </a:r>
-            <a:endParaRPr lang="en-US"/>
           </a:p>
         </p:txBody>
       </p:sp>
@@ -1240,6 +1223,7 @@
           <a:p>
             <a:fld id="{63A1C593-65D0-4073-BCC9-577B9352EA97}" type="datetimeFigureOut">
               <a:rPr lang="en-US" smtClean="0"/>
+              <a:t>1/4/2024</a:t>
             </a:fld>
             <a:endParaRPr lang="en-US"/>
           </a:p>
@@ -1281,6 +1265,7 @@
           <a:p>
             <a:fld id="{9B618960-8005-486C-9A75-10CB2AAC16F9}" type="slidenum">
               <a:rPr lang="en-US" smtClean="0"/>
+              <a:t>‹#›</a:t>
             </a:fld>
             <a:endParaRPr lang="en-US"/>
           </a:p>
@@ -1332,10 +1317,9 @@
           <a:lstStyle/>
           <a:p>
             <a:r>
-              <a:rPr lang="en-US" smtClean="0"/>
+              <a:rPr lang="en-US"/>
               <a:t>Click to edit Master title style</a:t>
             </a:r>
-            <a:endParaRPr lang="en-US"/>
           </a:p>
         </p:txBody>
       </p:sp>
@@ -1398,10 +1382,9 @@
           <a:p>
             <a:pPr lvl="0"/>
             <a:r>
-              <a:rPr lang="en-US" smtClean="0"/>
+              <a:rPr lang="en-US"/>
               <a:t>Click to edit Master text styles</a:t>
             </a:r>
-            <a:endParaRPr lang="en-US" smtClean="0"/>
           </a:p>
         </p:txBody>
       </p:sp>
@@ -1427,42 +1410,37 @@
           <a:p>
             <a:pPr lvl="0"/>
             <a:r>
-              <a:rPr lang="en-US" smtClean="0"/>
+              <a:rPr lang="en-US"/>
               <a:t>Click to edit Master text styles</a:t>
             </a:r>
-            <a:endParaRPr lang="en-US" smtClean="0"/>
           </a:p>
           <a:p>
             <a:pPr lvl="1"/>
             <a:r>
-              <a:rPr lang="en-US" smtClean="0"/>
+              <a:rPr lang="en-US"/>
               <a:t>Second level</a:t>
             </a:r>
-            <a:endParaRPr lang="en-US" smtClean="0"/>
           </a:p>
           <a:p>
             <a:pPr lvl="2"/>
             <a:r>
-              <a:rPr lang="en-US" smtClean="0"/>
+              <a:rPr lang="en-US"/>
               <a:t>Third level</a:t>
             </a:r>
-            <a:endParaRPr lang="en-US" smtClean="0"/>
           </a:p>
           <a:p>
             <a:pPr lvl="3"/>
             <a:r>
-              <a:rPr lang="en-US" smtClean="0"/>
+              <a:rPr lang="en-US"/>
               <a:t>Fourth level</a:t>
             </a:r>
-            <a:endParaRPr lang="en-US" smtClean="0"/>
           </a:p>
           <a:p>
             <a:pPr lvl="4"/>
             <a:r>
-              <a:rPr lang="en-US" smtClean="0"/>
+              <a:rPr lang="en-US"/>
               <a:t>Fifth level</a:t>
             </a:r>
-            <a:endParaRPr lang="en-US"/>
           </a:p>
         </p:txBody>
       </p:sp>
@@ -1525,10 +1503,9 @@
           <a:p>
             <a:pPr lvl="0"/>
             <a:r>
-              <a:rPr lang="en-US" smtClean="0"/>
+              <a:rPr lang="en-US"/>
               <a:t>Click to edit Master text styles</a:t>
             </a:r>
-            <a:endParaRPr lang="en-US" smtClean="0"/>
           </a:p>
         </p:txBody>
       </p:sp>
@@ -1554,42 +1531,37 @@
           <a:p>
             <a:pPr lvl="0"/>
             <a:r>
-              <a:rPr lang="en-US" smtClean="0"/>
+              <a:rPr lang="en-US"/>
               <a:t>Click to edit Master text styles</a:t>
             </a:r>
-            <a:endParaRPr lang="en-US" smtClean="0"/>
           </a:p>
           <a:p>
             <a:pPr lvl="1"/>
             <a:r>
-              <a:rPr lang="en-US" smtClean="0"/>
+              <a:rPr lang="en-US"/>
               <a:t>Second level</a:t>
             </a:r>
-            <a:endParaRPr lang="en-US" smtClean="0"/>
           </a:p>
           <a:p>
             <a:pPr lvl="2"/>
             <a:r>
-              <a:rPr lang="en-US" smtClean="0"/>
+              <a:rPr lang="en-US"/>
               <a:t>Third level</a:t>
             </a:r>
-            <a:endParaRPr lang="en-US" smtClean="0"/>
           </a:p>
           <a:p>
             <a:pPr lvl="3"/>
             <a:r>
-              <a:rPr lang="en-US" smtClean="0"/>
+              <a:rPr lang="en-US"/>
               <a:t>Fourth level</a:t>
             </a:r>
-            <a:endParaRPr lang="en-US" smtClean="0"/>
           </a:p>
           <a:p>
             <a:pPr lvl="4"/>
             <a:r>
-              <a:rPr lang="en-US" smtClean="0"/>
+              <a:rPr lang="en-US"/>
               <a:t>Fifth level</a:t>
             </a:r>
-            <a:endParaRPr lang="en-US"/>
           </a:p>
         </p:txBody>
       </p:sp>
@@ -1610,6 +1582,7 @@
           <a:p>
             <a:fld id="{63A1C593-65D0-4073-BCC9-577B9352EA97}" type="datetimeFigureOut">
               <a:rPr lang="en-US" smtClean="0"/>
+              <a:t>1/4/2024</a:t>
             </a:fld>
             <a:endParaRPr lang="en-US"/>
           </a:p>
@@ -1651,6 +1624,7 @@
           <a:p>
             <a:fld id="{9B618960-8005-486C-9A75-10CB2AAC16F9}" type="slidenum">
               <a:rPr lang="en-US" smtClean="0"/>
+              <a:t>‹#›</a:t>
             </a:fld>
             <a:endParaRPr lang="en-US"/>
           </a:p>
@@ -1697,10 +1671,9 @@
           <a:lstStyle/>
           <a:p>
             <a:r>
-              <a:rPr lang="en-US" smtClean="0"/>
+              <a:rPr lang="en-US"/>
               <a:t>Click to edit Master title style</a:t>
             </a:r>
-            <a:endParaRPr lang="en-US"/>
           </a:p>
         </p:txBody>
       </p:sp>
@@ -1721,6 +1694,7 @@
           <a:p>
             <a:fld id="{63A1C593-65D0-4073-BCC9-577B9352EA97}" type="datetimeFigureOut">
               <a:rPr lang="en-US" smtClean="0"/>
+              <a:t>1/4/2024</a:t>
             </a:fld>
             <a:endParaRPr lang="en-US"/>
           </a:p>
@@ -1762,6 +1736,7 @@
           <a:p>
             <a:fld id="{9B618960-8005-486C-9A75-10CB2AAC16F9}" type="slidenum">
               <a:rPr lang="en-US" smtClean="0"/>
+              <a:t>‹#›</a:t>
             </a:fld>
             <a:endParaRPr lang="en-US"/>
           </a:p>
@@ -1809,6 +1784,7 @@
           <a:p>
             <a:fld id="{63A1C593-65D0-4073-BCC9-577B9352EA97}" type="datetimeFigureOut">
               <a:rPr lang="en-US" smtClean="0"/>
+              <a:t>1/4/2024</a:t>
             </a:fld>
             <a:endParaRPr lang="en-US"/>
           </a:p>
@@ -1850,6 +1826,7 @@
           <a:p>
             <a:fld id="{9B618960-8005-486C-9A75-10CB2AAC16F9}" type="slidenum">
               <a:rPr lang="en-US" smtClean="0"/>
+              <a:t>‹#›</a:t>
             </a:fld>
             <a:endParaRPr lang="en-US"/>
           </a:p>
@@ -1905,10 +1882,9 @@
           </a:lstStyle>
           <a:p>
             <a:r>
-              <a:rPr lang="en-US" smtClean="0"/>
+              <a:rPr lang="en-US"/>
               <a:t>Click to edit Master title style</a:t>
             </a:r>
-            <a:endParaRPr lang="en-US"/>
           </a:p>
         </p:txBody>
       </p:sp>
@@ -1962,42 +1938,37 @@
           <a:p>
             <a:pPr lvl="0"/>
             <a:r>
-              <a:rPr lang="en-US" smtClean="0"/>
+              <a:rPr lang="en-US"/>
               <a:t>Click to edit Master text styles</a:t>
             </a:r>
-            <a:endParaRPr lang="en-US" smtClean="0"/>
           </a:p>
           <a:p>
             <a:pPr lvl="1"/>
             <a:r>
-              <a:rPr lang="en-US" smtClean="0"/>
+              <a:rPr lang="en-US"/>
               <a:t>Second level</a:t>
             </a:r>
-            <a:endParaRPr lang="en-US" smtClean="0"/>
           </a:p>
           <a:p>
             <a:pPr lvl="2"/>
             <a:r>
-              <a:rPr lang="en-US" smtClean="0"/>
+              <a:rPr lang="en-US"/>
               <a:t>Third level</a:t>
             </a:r>
-            <a:endParaRPr lang="en-US" smtClean="0"/>
           </a:p>
           <a:p>
             <a:pPr lvl="3"/>
             <a:r>
-              <a:rPr lang="en-US" smtClean="0"/>
+              <a:rPr lang="en-US"/>
               <a:t>Fourth level</a:t>
             </a:r>
-            <a:endParaRPr lang="en-US" smtClean="0"/>
           </a:p>
           <a:p>
             <a:pPr lvl="4"/>
             <a:r>
-              <a:rPr lang="en-US" smtClean="0"/>
+              <a:rPr lang="en-US"/>
               <a:t>Fifth level</a:t>
             </a:r>
-            <a:endParaRPr lang="en-US"/>
           </a:p>
         </p:txBody>
       </p:sp>
@@ -2060,10 +2031,9 @@
           <a:p>
             <a:pPr lvl="0"/>
             <a:r>
-              <a:rPr lang="en-US" smtClean="0"/>
+              <a:rPr lang="en-US"/>
               <a:t>Click to edit Master text styles</a:t>
             </a:r>
-            <a:endParaRPr lang="en-US" smtClean="0"/>
           </a:p>
         </p:txBody>
       </p:sp>
@@ -2084,6 +2054,7 @@
           <a:p>
             <a:fld id="{63A1C593-65D0-4073-BCC9-577B9352EA97}" type="datetimeFigureOut">
               <a:rPr lang="en-US" smtClean="0"/>
+              <a:t>1/4/2024</a:t>
             </a:fld>
             <a:endParaRPr lang="en-US"/>
           </a:p>
@@ -2125,6 +2096,7 @@
           <a:p>
             <a:fld id="{9B618960-8005-486C-9A75-10CB2AAC16F9}" type="slidenum">
               <a:rPr lang="en-US" smtClean="0"/>
+              <a:t>‹#›</a:t>
             </a:fld>
             <a:endParaRPr lang="en-US"/>
           </a:p>
@@ -2180,10 +2152,9 @@
           </a:lstStyle>
           <a:p>
             <a:r>
-              <a:rPr lang="en-US" smtClean="0"/>
+              <a:rPr lang="en-US"/>
               <a:t>Click to edit Master title style</a:t>
             </a:r>
-            <a:endParaRPr lang="en-US"/>
           </a:p>
         </p:txBody>
       </p:sp>
@@ -2307,10 +2278,9 @@
           <a:p>
             <a:pPr lvl="0"/>
             <a:r>
-              <a:rPr lang="en-US" smtClean="0"/>
+              <a:rPr lang="en-US"/>
               <a:t>Click to edit Master text styles</a:t>
             </a:r>
-            <a:endParaRPr lang="en-US" smtClean="0"/>
           </a:p>
         </p:txBody>
       </p:sp>
@@ -2331,6 +2301,7 @@
           <a:p>
             <a:fld id="{63A1C593-65D0-4073-BCC9-577B9352EA97}" type="datetimeFigureOut">
               <a:rPr lang="en-US" smtClean="0"/>
+              <a:t>1/4/2024</a:t>
             </a:fld>
             <a:endParaRPr lang="en-US"/>
           </a:p>
@@ -2372,6 +2343,7 @@
           <a:p>
             <a:fld id="{9B618960-8005-486C-9A75-10CB2AAC16F9}" type="slidenum">
               <a:rPr lang="en-US" smtClean="0"/>
+              <a:t>‹#›</a:t>
             </a:fld>
             <a:endParaRPr lang="en-US"/>
           </a:p>
@@ -2433,10 +2405,9 @@
           <a:lstStyle/>
           <a:p>
             <a:r>
-              <a:rPr lang="en-US" smtClean="0"/>
+              <a:rPr lang="en-US"/>
               <a:t>Click to edit Master title style</a:t>
             </a:r>
-            <a:endParaRPr lang="en-US"/>
           </a:p>
         </p:txBody>
       </p:sp>
@@ -2467,42 +2438,37 @@
           <a:p>
             <a:pPr lvl="0"/>
             <a:r>
-              <a:rPr lang="en-US" smtClean="0"/>
+              <a:rPr lang="en-US"/>
               <a:t>Click to edit Master text styles</a:t>
             </a:r>
-            <a:endParaRPr lang="en-US" smtClean="0"/>
           </a:p>
           <a:p>
             <a:pPr lvl="1"/>
             <a:r>
-              <a:rPr lang="en-US" smtClean="0"/>
+              <a:rPr lang="en-US"/>
               <a:t>Second level</a:t>
             </a:r>
-            <a:endParaRPr lang="en-US" smtClean="0"/>
           </a:p>
           <a:p>
             <a:pPr lvl="2"/>
             <a:r>
-              <a:rPr lang="en-US" smtClean="0"/>
+              <a:rPr lang="en-US"/>
               <a:t>Third level</a:t>
             </a:r>
-            <a:endParaRPr lang="en-US" smtClean="0"/>
           </a:p>
           <a:p>
             <a:pPr lvl="3"/>
             <a:r>
-              <a:rPr lang="en-US" smtClean="0"/>
+              <a:rPr lang="en-US"/>
               <a:t>Fourth level</a:t>
             </a:r>
-            <a:endParaRPr lang="en-US" smtClean="0"/>
           </a:p>
           <a:p>
             <a:pPr lvl="4"/>
             <a:r>
-              <a:rPr lang="en-US" smtClean="0"/>
+              <a:rPr lang="en-US"/>
               <a:t>Fifth level</a:t>
             </a:r>
-            <a:endParaRPr lang="en-US"/>
           </a:p>
         </p:txBody>
       </p:sp>
@@ -2541,6 +2507,7 @@
           <a:p>
             <a:fld id="{63A1C593-65D0-4073-BCC9-577B9352EA97}" type="datetimeFigureOut">
               <a:rPr lang="en-US" smtClean="0"/>
+              <a:t>1/4/2024</a:t>
             </a:fld>
             <a:endParaRPr lang="en-US"/>
           </a:p>
@@ -2618,6 +2585,7 @@
           <a:p>
             <a:fld id="{9B618960-8005-486C-9A75-10CB2AAC16F9}" type="slidenum">
               <a:rPr lang="en-US" smtClean="0"/>
+              <a:t>‹#›</a:t>
             </a:fld>
             <a:endParaRPr lang="en-US"/>
           </a:p>
@@ -2951,7 +2919,7 @@
         </p:nvSpPr>
         <p:spPr>
           <a:xfrm>
-            <a:off x="363220" y="323850"/>
+            <a:off x="262572" y="589026"/>
             <a:ext cx="11666855" cy="1845310"/>
           </a:xfrm>
         </p:spPr>
@@ -2972,13 +2940,18 @@
               <a:rPr lang="en-US" b="1" dirty="0"/>
               <a:t>To Diagnose Obesity in a Person</a:t>
             </a:r>
-            <a:endParaRPr lang="en-US" b="1" dirty="0"/>
-          </a:p>
-        </p:txBody>
-      </p:sp>
-      <p:sp>
-        <p:nvSpPr>
-          <p:cNvPr id="3" name="Subtitle 2"/>
+          </a:p>
+        </p:txBody>
+      </p:sp>
+      <p:sp>
+        <p:nvSpPr>
+          <p:cNvPr id="6" name="Subtitle 5">
+            <a:extLst>
+              <a:ext uri="{FF2B5EF4-FFF2-40B4-BE49-F238E27FC236}">
+                <a16:creationId xmlns:a16="http://schemas.microsoft.com/office/drawing/2014/main" id="{98F7BC0C-269C-DCAC-7990-328723052C4D}"/>
+              </a:ext>
+            </a:extLst>
+          </p:cNvPr>
           <p:cNvSpPr>
             <a:spLocks noGrp="1"/>
           </p:cNvSpPr>
@@ -2988,53 +2961,24 @@
         </p:nvSpPr>
         <p:spPr>
           <a:xfrm>
-            <a:off x="682625" y="2303780"/>
-            <a:ext cx="2349500" cy="655320"/>
-          </a:xfrm>
-        </p:spPr>
-        <p:txBody>
-          <a:bodyPr/>
-          <a:lstStyle/>
-          <a:p>
-            <a:pPr marL="457200" indent="-457200">
-              <a:buFont typeface="Arial" panose="020B0604020202020204" pitchFamily="34" charset="0"/>
-              <a:buChar char="•"/>
-            </a:pPr>
-            <a:r>
-              <a:rPr lang="en-US" b="1"/>
-              <a:t>Introduction</a:t>
-            </a:r>
-            <a:endParaRPr lang="en-US" b="1"/>
-          </a:p>
-        </p:txBody>
-      </p:sp>
-      <p:sp>
-        <p:nvSpPr>
-          <p:cNvPr id="5" name="Text Box 4"/>
-          <p:cNvSpPr txBox="1"/>
-          <p:nvPr/>
-        </p:nvSpPr>
-        <p:spPr>
-          <a:xfrm>
-            <a:off x="1607820" y="2959100"/>
-            <a:ext cx="9912985" cy="2676525"/>
-          </a:xfrm>
-          <a:prstGeom prst="rect">
-            <a:avLst/>
-          </a:prstGeom>
-          <a:noFill/>
-        </p:spPr>
-        <p:txBody>
-          <a:bodyPr wrap="square" rtlCol="0" anchor="ctr" anchorCtr="0">
-            <a:spAutoFit/>
-          </a:bodyPr>
-          <a:p>
-            <a:pPr algn="just"/>
-            <a:r>
-              <a:rPr lang="en-US" sz="2400"/>
-              <a:t>In this project, we are analyzing a dataset which classifies obesity levels in a patient based on different attributes. The dataset is taken from UCI Machine Learning Repository and contains 2111 instances and 17 attributes. The original data classifies a broad category of obesity , overweight levels, underweight condition and normal weight condition. For convenience we have reduced the classes to three categories : ‘Obesity’, ‘Overweight’ and ‘No Obesity.’ </a:t>
-            </a:r>
-            <a:endParaRPr lang="en-US" sz="2400"/>
+            <a:off x="1405128" y="3592894"/>
+            <a:ext cx="9144000" cy="1655762"/>
+          </a:xfrm>
+        </p:spPr>
+        <p:txBody>
+          <a:bodyPr/>
+          <a:lstStyle/>
+          <a:p>
+            <a:r>
+              <a:rPr lang="en-US" dirty="0"/>
+              <a:t>Prepared by : Bishal Adhikari</a:t>
+            </a:r>
+          </a:p>
+          <a:p>
+            <a:r>
+              <a:rPr lang="en-US" dirty="0"/>
+              <a:t>Date : June, 2022</a:t>
+            </a:r>
           </a:p>
         </p:txBody>
       </p:sp>
@@ -3055,7 +2999,14 @@
         <p:cNvGrpSpPr/>
         <p:nvPr/>
       </p:nvGrpSpPr>
-      <p:grpSpPr/>
+      <p:grpSpPr>
+        <a:xfrm>
+          <a:off x="0" y="0"/>
+          <a:ext cx="0" cy="0"/>
+          <a:chOff x="0" y="0"/>
+          <a:chExt cx="0" cy="0"/>
+        </a:xfrm>
+      </p:grpSpPr>
       <p:sp>
         <p:nvSpPr>
           <p:cNvPr id="2" name="Title 1"/>
@@ -3069,35 +3020,64 @@
         <p:spPr/>
         <p:txBody>
           <a:bodyPr/>
-          <a:p>
-            <a:r>
-              <a:rPr lang="en-US"/>
-              <a:t>Decision Tree from Run#2</a:t>
-            </a:r>
-            <a:endParaRPr lang="en-US"/>
+          <a:lstStyle/>
+          <a:p>
+            <a:r>
+              <a:rPr lang="en-US"/>
+              <a:t>Run #2(max_depth = 10) no pruning</a:t>
+            </a:r>
+          </a:p>
+        </p:txBody>
+      </p:sp>
+      <p:sp>
+        <p:nvSpPr>
+          <p:cNvPr id="5" name="Text Box 4"/>
+          <p:cNvSpPr txBox="1"/>
+          <p:nvPr/>
+        </p:nvSpPr>
+        <p:spPr>
+          <a:xfrm>
+            <a:off x="1282065" y="4371975"/>
+            <a:ext cx="7714615" cy="829945"/>
+          </a:xfrm>
+          <a:prstGeom prst="rect">
+            <a:avLst/>
+          </a:prstGeom>
+          <a:noFill/>
+        </p:spPr>
+        <p:txBody>
+          <a:bodyPr wrap="square" rtlCol="0">
+            <a:spAutoFit/>
+          </a:bodyPr>
+          <a:lstStyle/>
+          <a:p>
+            <a:r>
+              <a:rPr lang="en-US" sz="2400" b="1"/>
+              <a:t>With higher max_depth, the accurracy improved but the tree became complex.</a:t>
+            </a:r>
           </a:p>
         </p:txBody>
       </p:sp>
       <p:pic>
         <p:nvPicPr>
-          <p:cNvPr id="4" name="Content Placeholder 3"/>
+          <p:cNvPr id="7" name="Content Placeholder 6"/>
           <p:cNvPicPr>
-            <a:picLocks noChangeAspect="1"/>
+            <a:picLocks noGrp="1" noChangeAspect="1"/>
           </p:cNvPicPr>
           <p:nvPr>
             <p:ph idx="1"/>
           </p:nvPr>
         </p:nvPicPr>
         <p:blipFill>
-          <a:blip r:embed="rId1"/>
+          <a:blip r:embed="rId2"/>
           <a:stretch>
             <a:fillRect/>
           </a:stretch>
         </p:blipFill>
         <p:spPr>
           <a:xfrm>
-            <a:off x="592455" y="1502410"/>
-            <a:ext cx="11123930" cy="4944745"/>
+            <a:off x="838200" y="1910715"/>
+            <a:ext cx="10515600" cy="2000885"/>
           </a:xfrm>
           <a:prstGeom prst="rect">
             <a:avLst/>
@@ -3121,39 +3101,62 @@
         <p:cNvGrpSpPr/>
         <p:nvPr/>
       </p:nvGrpSpPr>
-      <p:grpSpPr/>
-      <p:sp>
-        <p:nvSpPr>
-          <p:cNvPr id="3" name="Content Placeholder 2"/>
-          <p:cNvSpPr>
-            <a:spLocks noGrp="1"/>
-          </p:cNvSpPr>
+      <p:grpSpPr>
+        <a:xfrm>
+          <a:off x="0" y="0"/>
+          <a:ext cx="0" cy="0"/>
+          <a:chOff x="0" y="0"/>
+          <a:chExt cx="0" cy="0"/>
+        </a:xfrm>
+      </p:grpSpPr>
+      <p:sp>
+        <p:nvSpPr>
+          <p:cNvPr id="2" name="Title 1"/>
+          <p:cNvSpPr>
+            <a:spLocks noGrp="1"/>
+          </p:cNvSpPr>
+          <p:nvPr>
+            <p:ph type="title"/>
+          </p:nvPr>
+        </p:nvSpPr>
+        <p:spPr/>
+        <p:txBody>
+          <a:bodyPr/>
+          <a:lstStyle/>
+          <a:p>
+            <a:r>
+              <a:rPr lang="en-US"/>
+              <a:t>Decision Tree from Run#2</a:t>
+            </a:r>
+          </a:p>
+        </p:txBody>
+      </p:sp>
+      <p:pic>
+        <p:nvPicPr>
+          <p:cNvPr id="4" name="Content Placeholder 3"/>
+          <p:cNvPicPr>
+            <a:picLocks noGrp="1" noChangeAspect="1"/>
+          </p:cNvPicPr>
           <p:nvPr>
             <p:ph idx="1"/>
           </p:nvPr>
-        </p:nvSpPr>
-        <p:spPr/>
-        <p:txBody>
-          <a:bodyPr/>
-          <a:p>
-            <a:r>
-              <a:rPr lang="en-US"/>
-              <a:t>As we saw in Run #1 and Run #2 , with no pruning in Run #2 the tree was very complex and was dependent on more attributes. </a:t>
-            </a:r>
-            <a:endParaRPr lang="en-US"/>
-          </a:p>
-          <a:p>
-            <a:endParaRPr lang="en-US"/>
-          </a:p>
-          <a:p>
-            <a:r>
-              <a:rPr lang="en-US"/>
-              <a:t>But in Run #1 effective pruning allowed the tree to remain small , depend on less/best attributes and still gave the similar accurracy.</a:t>
-            </a:r>
-            <a:endParaRPr lang="en-US"/>
-          </a:p>
-        </p:txBody>
-      </p:sp>
+        </p:nvPicPr>
+        <p:blipFill>
+          <a:blip r:embed="rId2"/>
+          <a:stretch>
+            <a:fillRect/>
+          </a:stretch>
+        </p:blipFill>
+        <p:spPr>
+          <a:xfrm>
+            <a:off x="592455" y="1502410"/>
+            <a:ext cx="11123930" cy="4944745"/>
+          </a:xfrm>
+          <a:prstGeom prst="rect">
+            <a:avLst/>
+          </a:prstGeom>
+        </p:spPr>
+      </p:pic>
     </p:spTree>
   </p:cSld>
   <p:clrMapOvr>
@@ -3171,7 +3174,14 @@
         <p:cNvGrpSpPr/>
         <p:nvPr/>
       </p:nvGrpSpPr>
-      <p:grpSpPr/>
+      <p:grpSpPr>
+        <a:xfrm>
+          <a:off x="0" y="0"/>
+          <a:ext cx="0" cy="0"/>
+          <a:chOff x="0" y="0"/>
+          <a:chExt cx="0" cy="0"/>
+        </a:xfrm>
+      </p:grpSpPr>
       <p:sp>
         <p:nvSpPr>
           <p:cNvPr id="3" name="Content Placeholder 2"/>
@@ -3179,78 +3189,30 @@
             <a:spLocks noGrp="1"/>
           </p:cNvSpPr>
           <p:nvPr>
-            <p:ph sz="half" idx="1"/>
-          </p:nvPr>
-        </p:nvSpPr>
-        <p:spPr>
-          <a:xfrm>
-            <a:off x="838200" y="520065"/>
-            <a:ext cx="10532110" cy="737870"/>
-          </a:xfrm>
-        </p:spPr>
-        <p:txBody>
-          <a:bodyPr>
-            <a:normAutofit/>
-          </a:bodyPr>
-          <a:p>
-            <a:r>
-              <a:rPr lang="en-US"/>
-              <a:t>Run 3 (criterion = entropy, ccp_alpha = 0.01, max_leaf_nodes = 8)</a:t>
-            </a:r>
+            <p:ph idx="1"/>
+          </p:nvPr>
+        </p:nvSpPr>
+        <p:spPr/>
+        <p:txBody>
+          <a:bodyPr/>
+          <a:lstStyle/>
+          <a:p>
+            <a:r>
+              <a:rPr lang="en-US"/>
+              <a:t>As we saw in Run #1 and Run #2 , with no pruning in Run #2 the tree was very complex and was dependent on more attributes. </a:t>
+            </a:r>
+          </a:p>
+          <a:p>
             <a:endParaRPr lang="en-US"/>
           </a:p>
-        </p:txBody>
-      </p:sp>
-      <p:pic>
-        <p:nvPicPr>
-          <p:cNvPr id="7" name="Picture 6"/>
-          <p:cNvPicPr>
-            <a:picLocks noChangeAspect="1"/>
-          </p:cNvPicPr>
-          <p:nvPr/>
-        </p:nvPicPr>
-        <p:blipFill>
-          <a:blip r:embed="rId1"/>
-          <a:stretch>
-            <a:fillRect/>
-          </a:stretch>
-        </p:blipFill>
-        <p:spPr>
-          <a:xfrm>
-            <a:off x="340995" y="1257935"/>
-            <a:ext cx="11156950" cy="2287270"/>
-          </a:xfrm>
-          <a:prstGeom prst="rect">
-            <a:avLst/>
-          </a:prstGeom>
-        </p:spPr>
-      </p:pic>
-      <p:pic>
-        <p:nvPicPr>
-          <p:cNvPr id="9" name="Content Placeholder 8"/>
-          <p:cNvPicPr>
-            <a:picLocks noChangeAspect="1"/>
-          </p:cNvPicPr>
-          <p:nvPr>
-            <p:ph sz="half" idx="2"/>
-          </p:nvPr>
-        </p:nvPicPr>
-        <p:blipFill>
-          <a:blip r:embed="rId2"/>
-          <a:stretch>
-            <a:fillRect/>
-          </a:stretch>
-        </p:blipFill>
-        <p:spPr>
-          <a:xfrm>
-            <a:off x="453390" y="4220210"/>
-            <a:ext cx="8258175" cy="1692910"/>
-          </a:xfrm>
-          <a:prstGeom prst="rect">
-            <a:avLst/>
-          </a:prstGeom>
-        </p:spPr>
-      </p:pic>
+          <a:p>
+            <a:r>
+              <a:rPr lang="en-US"/>
+              <a:t>But in Run #1 effective pruning allowed the tree to remain small , depend on less/best attributes and still gave the similar accurracy.</a:t>
+            </a:r>
+          </a:p>
+        </p:txBody>
+      </p:sp>
     </p:spTree>
   </p:cSld>
   <p:clrMapOvr>
@@ -3268,58 +3230,87 @@
         <p:cNvGrpSpPr/>
         <p:nvPr/>
       </p:nvGrpSpPr>
-      <p:grpSpPr/>
-      <p:sp>
-        <p:nvSpPr>
-          <p:cNvPr id="6" name="Title 5"/>
-          <p:cNvSpPr>
-            <a:spLocks noGrp="1"/>
-          </p:cNvSpPr>
-          <p:nvPr>
-            <p:ph type="title"/>
-          </p:nvPr>
-        </p:nvSpPr>
-        <p:spPr>
-          <a:xfrm>
-            <a:off x="838200" y="365125"/>
-            <a:ext cx="10515600" cy="790575"/>
-          </a:xfrm>
-        </p:spPr>
-        <p:txBody>
-          <a:bodyPr/>
-          <a:p>
-            <a:pPr marL="571500" indent="-571500">
-              <a:buFont typeface="Arial" panose="020B0604020202020204" pitchFamily="34" charset="0"/>
-              <a:buChar char="•"/>
-            </a:pPr>
-            <a:r>
-              <a:rPr lang="en-US"/>
-              <a:t>Decision Tree from Run #3</a:t>
-            </a:r>
-            <a:endParaRPr lang="en-US"/>
+      <p:grpSpPr>
+        <a:xfrm>
+          <a:off x="0" y="0"/>
+          <a:ext cx="0" cy="0"/>
+          <a:chOff x="0" y="0"/>
+          <a:chExt cx="0" cy="0"/>
+        </a:xfrm>
+      </p:grpSpPr>
+      <p:sp>
+        <p:nvSpPr>
+          <p:cNvPr id="3" name="Content Placeholder 2"/>
+          <p:cNvSpPr>
+            <a:spLocks noGrp="1"/>
+          </p:cNvSpPr>
+          <p:nvPr>
+            <p:ph sz="half" idx="1"/>
+          </p:nvPr>
+        </p:nvSpPr>
+        <p:spPr>
+          <a:xfrm>
+            <a:off x="838200" y="520065"/>
+            <a:ext cx="10532110" cy="737870"/>
+          </a:xfrm>
+        </p:spPr>
+        <p:txBody>
+          <a:bodyPr>
+            <a:normAutofit/>
+          </a:bodyPr>
+          <a:lstStyle/>
+          <a:p>
+            <a:r>
+              <a:rPr lang="en-US"/>
+              <a:t>Run 3 (criterion = entropy, ccp_alpha = 0.01, max_leaf_nodes = 8)</a:t>
+            </a:r>
           </a:p>
         </p:txBody>
       </p:sp>
       <p:pic>
         <p:nvPicPr>
-          <p:cNvPr id="5" name="Content Placeholder 4"/>
+          <p:cNvPr id="7" name="Picture 6"/>
           <p:cNvPicPr>
             <a:picLocks noChangeAspect="1"/>
           </p:cNvPicPr>
-          <p:nvPr>
-            <p:ph idx="1"/>
-          </p:nvPr>
+          <p:nvPr/>
         </p:nvPicPr>
         <p:blipFill>
-          <a:blip r:embed="rId1"/>
+          <a:blip r:embed="rId2"/>
           <a:stretch>
             <a:fillRect/>
           </a:stretch>
         </p:blipFill>
         <p:spPr>
           <a:xfrm>
-            <a:off x="838200" y="1156335"/>
-            <a:ext cx="10699115" cy="5445760"/>
+            <a:off x="340995" y="1257935"/>
+            <a:ext cx="11156950" cy="2287270"/>
+          </a:xfrm>
+          <a:prstGeom prst="rect">
+            <a:avLst/>
+          </a:prstGeom>
+        </p:spPr>
+      </p:pic>
+      <p:pic>
+        <p:nvPicPr>
+          <p:cNvPr id="9" name="Content Placeholder 8"/>
+          <p:cNvPicPr>
+            <a:picLocks noGrp="1" noChangeAspect="1"/>
+          </p:cNvPicPr>
+          <p:nvPr>
+            <p:ph sz="half" idx="2"/>
+          </p:nvPr>
+        </p:nvPicPr>
+        <p:blipFill>
+          <a:blip r:embed="rId3"/>
+          <a:stretch>
+            <a:fillRect/>
+          </a:stretch>
+        </p:blipFill>
+        <p:spPr>
+          <a:xfrm>
+            <a:off x="453390" y="4220210"/>
+            <a:ext cx="8258175" cy="1692910"/>
           </a:xfrm>
           <a:prstGeom prst="rect">
             <a:avLst/>
@@ -3343,62 +3334,71 @@
         <p:cNvGrpSpPr/>
         <p:nvPr/>
       </p:nvGrpSpPr>
-      <p:grpSpPr/>
+      <p:grpSpPr>
+        <a:xfrm>
+          <a:off x="0" y="0"/>
+          <a:ext cx="0" cy="0"/>
+          <a:chOff x="0" y="0"/>
+          <a:chExt cx="0" cy="0"/>
+        </a:xfrm>
+      </p:grpSpPr>
+      <p:sp>
+        <p:nvSpPr>
+          <p:cNvPr id="6" name="Title 5"/>
+          <p:cNvSpPr>
+            <a:spLocks noGrp="1"/>
+          </p:cNvSpPr>
+          <p:nvPr>
+            <p:ph type="title"/>
+          </p:nvPr>
+        </p:nvSpPr>
+        <p:spPr>
+          <a:xfrm>
+            <a:off x="838200" y="365125"/>
+            <a:ext cx="10515600" cy="790575"/>
+          </a:xfrm>
+        </p:spPr>
+        <p:txBody>
+          <a:bodyPr/>
+          <a:lstStyle/>
+          <a:p>
+            <a:pPr marL="571500" indent="-571500">
+              <a:buFont typeface="Arial" panose="020B0604020202020204" pitchFamily="34" charset="0"/>
+              <a:buChar char="•"/>
+            </a:pPr>
+            <a:r>
+              <a:rPr lang="en-US"/>
+              <a:t>Decision Tree from Run #3</a:t>
+            </a:r>
+          </a:p>
+        </p:txBody>
+      </p:sp>
       <p:pic>
         <p:nvPicPr>
-          <p:cNvPr id="4" name="Content Placeholder 3"/>
+          <p:cNvPr id="5" name="Content Placeholder 4"/>
           <p:cNvPicPr>
-            <a:picLocks noChangeAspect="1"/>
+            <a:picLocks noGrp="1" noChangeAspect="1"/>
           </p:cNvPicPr>
           <p:nvPr>
             <p:ph idx="1"/>
           </p:nvPr>
         </p:nvPicPr>
         <p:blipFill>
-          <a:blip r:embed="rId1"/>
+          <a:blip r:embed="rId2"/>
           <a:stretch>
             <a:fillRect/>
           </a:stretch>
         </p:blipFill>
         <p:spPr>
           <a:xfrm>
-            <a:off x="969645" y="1282065"/>
-            <a:ext cx="10930255" cy="2233295"/>
+            <a:off x="838200" y="1156335"/>
+            <a:ext cx="10699115" cy="5445760"/>
           </a:xfrm>
           <a:prstGeom prst="rect">
             <a:avLst/>
           </a:prstGeom>
         </p:spPr>
       </p:pic>
-      <p:sp>
-        <p:nvSpPr>
-          <p:cNvPr id="5" name="Text Box 4"/>
-          <p:cNvSpPr txBox="1"/>
-          <p:nvPr/>
-        </p:nvSpPr>
-        <p:spPr>
-          <a:xfrm>
-            <a:off x="1153795" y="586105"/>
-            <a:ext cx="7088505" cy="460375"/>
-          </a:xfrm>
-          <a:prstGeom prst="rect">
-            <a:avLst/>
-          </a:prstGeom>
-          <a:noFill/>
-        </p:spPr>
-        <p:txBody>
-          <a:bodyPr wrap="square" rtlCol="0">
-            <a:spAutoFit/>
-          </a:bodyPr>
-          <a:p>
-            <a:r>
-              <a:rPr lang="en-US" sz="2400" b="1"/>
-              <a:t>Run #4( max_depth = 4, max_leaf_nodes = 6)</a:t>
-            </a:r>
-            <a:endParaRPr lang="en-US" sz="2400" b="1"/>
-          </a:p>
-        </p:txBody>
-      </p:sp>
     </p:spTree>
   </p:cSld>
   <p:clrMapOvr>
@@ -3416,62 +3416,69 @@
         <p:cNvGrpSpPr/>
         <p:nvPr/>
       </p:nvGrpSpPr>
-      <p:grpSpPr/>
-      <p:sp>
-        <p:nvSpPr>
-          <p:cNvPr id="2" name="Title 1"/>
-          <p:cNvSpPr>
-            <a:spLocks noGrp="1"/>
-          </p:cNvSpPr>
-          <p:nvPr>
-            <p:ph type="title"/>
-          </p:nvPr>
-        </p:nvSpPr>
-        <p:spPr>
-          <a:xfrm>
-            <a:off x="773430" y="36195"/>
-            <a:ext cx="5920105" cy="1217930"/>
-          </a:xfrm>
-        </p:spPr>
-        <p:txBody>
-          <a:bodyPr>
-            <a:normAutofit fontScale="90000"/>
-          </a:bodyPr>
-          <a:p>
-            <a:r>
-              <a:rPr lang="en-US"/>
-              <a:t>Decision Tree From Run #4</a:t>
-            </a:r>
-            <a:endParaRPr lang="en-US"/>
-          </a:p>
-        </p:txBody>
-      </p:sp>
+      <p:grpSpPr>
+        <a:xfrm>
+          <a:off x="0" y="0"/>
+          <a:ext cx="0" cy="0"/>
+          <a:chOff x="0" y="0"/>
+          <a:chExt cx="0" cy="0"/>
+        </a:xfrm>
+      </p:grpSpPr>
       <p:pic>
         <p:nvPicPr>
           <p:cNvPr id="4" name="Content Placeholder 3"/>
           <p:cNvPicPr>
-            <a:picLocks noChangeAspect="1"/>
+            <a:picLocks noGrp="1" noChangeAspect="1"/>
           </p:cNvPicPr>
           <p:nvPr>
             <p:ph idx="1"/>
           </p:nvPr>
         </p:nvPicPr>
         <p:blipFill>
-          <a:blip r:embed="rId1"/>
+          <a:blip r:embed="rId2"/>
           <a:stretch>
             <a:fillRect/>
           </a:stretch>
         </p:blipFill>
         <p:spPr>
           <a:xfrm>
-            <a:off x="1393190" y="892175"/>
-            <a:ext cx="9813925" cy="5965825"/>
+            <a:off x="969645" y="1282065"/>
+            <a:ext cx="10930255" cy="2233295"/>
           </a:xfrm>
           <a:prstGeom prst="rect">
             <a:avLst/>
           </a:prstGeom>
         </p:spPr>
       </p:pic>
+      <p:sp>
+        <p:nvSpPr>
+          <p:cNvPr id="5" name="Text Box 4"/>
+          <p:cNvSpPr txBox="1"/>
+          <p:nvPr/>
+        </p:nvSpPr>
+        <p:spPr>
+          <a:xfrm>
+            <a:off x="1153795" y="586105"/>
+            <a:ext cx="7088505" cy="460375"/>
+          </a:xfrm>
+          <a:prstGeom prst="rect">
+            <a:avLst/>
+          </a:prstGeom>
+          <a:noFill/>
+        </p:spPr>
+        <p:txBody>
+          <a:bodyPr wrap="square" rtlCol="0">
+            <a:spAutoFit/>
+          </a:bodyPr>
+          <a:lstStyle/>
+          <a:p>
+            <a:r>
+              <a:rPr lang="en-US" sz="2400" b="1"/>
+              <a:t>Run #4( max_depth = 4, max_leaf_nodes = 6)</a:t>
+            </a:r>
+          </a:p>
+        </p:txBody>
+      </p:sp>
     </p:spTree>
   </p:cSld>
   <p:clrMapOvr>
@@ -3489,7 +3496,14 @@
         <p:cNvGrpSpPr/>
         <p:nvPr/>
       </p:nvGrpSpPr>
-      <p:grpSpPr/>
+      <p:grpSpPr>
+        <a:xfrm>
+          <a:off x="0" y="0"/>
+          <a:ext cx="0" cy="0"/>
+          <a:chOff x="0" y="0"/>
+          <a:chExt cx="0" cy="0"/>
+        </a:xfrm>
+      </p:grpSpPr>
       <p:sp>
         <p:nvSpPr>
           <p:cNvPr id="2" name="Title 1"/>
@@ -3500,71 +3514,45 @@
             <p:ph type="title"/>
           </p:nvPr>
         </p:nvSpPr>
-        <p:spPr/>
-        <p:txBody>
-          <a:bodyPr/>
-          <a:p>
-            <a:r>
-              <a:rPr lang="en-US"/>
-              <a:t>Decision Support System</a:t>
-            </a:r>
-            <a:endParaRPr lang="en-US"/>
-          </a:p>
-        </p:txBody>
-      </p:sp>
-      <p:sp>
-        <p:nvSpPr>
-          <p:cNvPr id="5" name="Text Box 4"/>
-          <p:cNvSpPr txBox="1"/>
-          <p:nvPr/>
-        </p:nvSpPr>
-        <p:spPr>
-          <a:xfrm>
-            <a:off x="1121410" y="1459865"/>
-            <a:ext cx="3042920" cy="1014730"/>
-          </a:xfrm>
-          <a:prstGeom prst="rect">
-            <a:avLst/>
-          </a:prstGeom>
-          <a:noFill/>
-        </p:spPr>
-        <p:txBody>
-          <a:bodyPr wrap="square" rtlCol="0">
-            <a:spAutoFit/>
+        <p:spPr>
+          <a:xfrm>
+            <a:off x="773430" y="36195"/>
+            <a:ext cx="5920105" cy="1217930"/>
+          </a:xfrm>
+        </p:spPr>
+        <p:txBody>
+          <a:bodyPr>
+            <a:normAutofit fontScale="90000"/>
           </a:bodyPr>
-          <a:p>
-            <a:pPr marL="285750" indent="-285750">
-              <a:buFont typeface="Arial" panose="020B0604020202020204" pitchFamily="34" charset="0"/>
-              <a:buChar char="•"/>
-            </a:pPr>
-            <a:r>
-              <a:rPr lang="en-US" sz="2000" b="1"/>
-              <a:t>Rules manually derived from a selected decision tree</a:t>
-            </a:r>
-            <a:endParaRPr lang="en-US" sz="2000" b="1"/>
+          <a:lstStyle/>
+          <a:p>
+            <a:r>
+              <a:rPr lang="en-US"/>
+              <a:t>Decision Tree From Run #4</a:t>
+            </a:r>
           </a:p>
         </p:txBody>
       </p:sp>
       <p:pic>
         <p:nvPicPr>
-          <p:cNvPr id="7" name="Content Placeholder 6"/>
+          <p:cNvPr id="4" name="Content Placeholder 3"/>
           <p:cNvPicPr>
-            <a:picLocks noChangeAspect="1"/>
+            <a:picLocks noGrp="1" noChangeAspect="1"/>
           </p:cNvPicPr>
           <p:nvPr>
             <p:ph idx="1"/>
           </p:nvPr>
         </p:nvPicPr>
         <p:blipFill>
-          <a:blip r:embed="rId1"/>
+          <a:blip r:embed="rId2"/>
           <a:stretch>
             <a:fillRect/>
           </a:stretch>
         </p:blipFill>
         <p:spPr>
           <a:xfrm>
-            <a:off x="2851150" y="2052955"/>
-            <a:ext cx="8502650" cy="4805045"/>
+            <a:off x="1393190" y="892175"/>
+            <a:ext cx="9813925" cy="5965825"/>
           </a:xfrm>
           <a:prstGeom prst="rect">
             <a:avLst/>
@@ -3588,7 +3576,14 @@
         <p:cNvGrpSpPr/>
         <p:nvPr/>
       </p:nvGrpSpPr>
-      <p:grpSpPr/>
+      <p:grpSpPr>
+        <a:xfrm>
+          <a:off x="0" y="0"/>
+          <a:ext cx="0" cy="0"/>
+          <a:chOff x="0" y="0"/>
+          <a:chExt cx="0" cy="0"/>
+        </a:xfrm>
+      </p:grpSpPr>
       <p:sp>
         <p:nvSpPr>
           <p:cNvPr id="2" name="Title 1"/>
@@ -3602,35 +3597,68 @@
         <p:spPr/>
         <p:txBody>
           <a:bodyPr/>
-          <a:p>
-            <a:r>
-              <a:rPr lang="en-US"/>
-              <a:t>Test Run DSS</a:t>
-            </a:r>
-            <a:endParaRPr lang="en-US"/>
+          <a:lstStyle/>
+          <a:p>
+            <a:r>
+              <a:rPr lang="en-US"/>
+              <a:t>Decision Support System</a:t>
+            </a:r>
+          </a:p>
+        </p:txBody>
+      </p:sp>
+      <p:sp>
+        <p:nvSpPr>
+          <p:cNvPr id="5" name="Text Box 4"/>
+          <p:cNvSpPr txBox="1"/>
+          <p:nvPr/>
+        </p:nvSpPr>
+        <p:spPr>
+          <a:xfrm>
+            <a:off x="1121410" y="1459865"/>
+            <a:ext cx="3042920" cy="1014730"/>
+          </a:xfrm>
+          <a:prstGeom prst="rect">
+            <a:avLst/>
+          </a:prstGeom>
+          <a:noFill/>
+        </p:spPr>
+        <p:txBody>
+          <a:bodyPr wrap="square" rtlCol="0">
+            <a:spAutoFit/>
+          </a:bodyPr>
+          <a:lstStyle/>
+          <a:p>
+            <a:pPr marL="285750" indent="-285750">
+              <a:buFont typeface="Arial" panose="020B0604020202020204" pitchFamily="34" charset="0"/>
+              <a:buChar char="•"/>
+            </a:pPr>
+            <a:r>
+              <a:rPr lang="en-US" sz="2000" b="1"/>
+              <a:t>Rules manually derived from a selected decision tree</a:t>
+            </a:r>
           </a:p>
         </p:txBody>
       </p:sp>
       <p:pic>
         <p:nvPicPr>
-          <p:cNvPr id="4" name="Content Placeholder 3"/>
+          <p:cNvPr id="7" name="Content Placeholder 6"/>
           <p:cNvPicPr>
-            <a:picLocks noChangeAspect="1"/>
+            <a:picLocks noGrp="1" noChangeAspect="1"/>
           </p:cNvPicPr>
           <p:nvPr>
             <p:ph idx="1"/>
           </p:nvPr>
         </p:nvPicPr>
         <p:blipFill>
-          <a:blip r:embed="rId1"/>
+          <a:blip r:embed="rId2"/>
           <a:stretch>
             <a:fillRect/>
           </a:stretch>
         </p:blipFill>
         <p:spPr>
           <a:xfrm>
-            <a:off x="1925320" y="1691005"/>
-            <a:ext cx="6095365" cy="4689475"/>
+            <a:off x="2851150" y="2052955"/>
+            <a:ext cx="8502650" cy="4805045"/>
           </a:xfrm>
           <a:prstGeom prst="rect">
             <a:avLst/>
@@ -3654,7 +3682,14 @@
         <p:cNvGrpSpPr/>
         <p:nvPr/>
       </p:nvGrpSpPr>
-      <p:grpSpPr/>
+      <p:grpSpPr>
+        <a:xfrm>
+          <a:off x="0" y="0"/>
+          <a:ext cx="0" cy="0"/>
+          <a:chOff x="0" y="0"/>
+          <a:chExt cx="0" cy="0"/>
+        </a:xfrm>
+      </p:grpSpPr>
       <p:sp>
         <p:nvSpPr>
           <p:cNvPr id="2" name="Title 1"/>
@@ -3665,120 +3700,44 @@
             <p:ph type="title"/>
           </p:nvPr>
         </p:nvSpPr>
-        <p:spPr>
-          <a:xfrm>
-            <a:off x="697865" y="-73025"/>
-            <a:ext cx="10515600" cy="1325563"/>
-          </a:xfrm>
-        </p:spPr>
-        <p:txBody>
-          <a:bodyPr/>
-          <a:p>
-            <a:pPr marL="0" indent="0">
-              <a:buFont typeface="Arial" panose="020B0604020202020204" pitchFamily="34" charset="0"/>
-            </a:pPr>
-            <a:r>
-              <a:rPr lang="en-US" b="1"/>
-              <a:t>CONCLUSIONS</a:t>
-            </a:r>
-            <a:endParaRPr lang="en-US" b="1"/>
-          </a:p>
-        </p:txBody>
-      </p:sp>
-      <p:sp>
-        <p:nvSpPr>
-          <p:cNvPr id="3" name="Content Placeholder 2"/>
-          <p:cNvSpPr>
-            <a:spLocks noGrp="1"/>
-          </p:cNvSpPr>
+        <p:spPr/>
+        <p:txBody>
+          <a:bodyPr/>
+          <a:lstStyle/>
+          <a:p>
+            <a:r>
+              <a:rPr lang="en-US"/>
+              <a:t>Test Run DSS</a:t>
+            </a:r>
+          </a:p>
+        </p:txBody>
+      </p:sp>
+      <p:pic>
+        <p:nvPicPr>
+          <p:cNvPr id="4" name="Content Placeholder 3"/>
+          <p:cNvPicPr>
+            <a:picLocks noGrp="1" noChangeAspect="1"/>
+          </p:cNvPicPr>
           <p:nvPr>
             <p:ph idx="1"/>
           </p:nvPr>
-        </p:nvSpPr>
-        <p:spPr>
-          <a:xfrm>
-            <a:off x="816610" y="1036955"/>
-            <a:ext cx="11012170" cy="5612130"/>
-          </a:xfrm>
-        </p:spPr>
-        <p:txBody>
-          <a:bodyPr>
-            <a:normAutofit lnSpcReduction="20000"/>
-          </a:bodyPr>
-          <a:p>
-            <a:pPr marL="0" indent="0" algn="l">
-              <a:buNone/>
-            </a:pPr>
-            <a:r>
-              <a:rPr lang="en-US"/>
-              <a:t>Hence, we successfully implemented Decision Tree Classifier to the obesity dataset. We saw that among all the attributes, most of the information was contained by only weight and height. </a:t>
-            </a:r>
-            <a:endParaRPr lang="en-US"/>
-          </a:p>
-          <a:p>
-            <a:pPr marL="0" indent="0" algn="l">
-              <a:buNone/>
-            </a:pPr>
-            <a:r>
-              <a:rPr lang="en-US"/>
-              <a:t>We got accurracy as high as 97% with the decision trees and it was surprising to see that with only height and weight, obesity levels of a person coold be identified or diagnosed.</a:t>
-            </a:r>
-            <a:endParaRPr lang="en-US"/>
-          </a:p>
-          <a:p>
-            <a:pPr marL="0" indent="0" algn="l">
-              <a:buNone/>
-            </a:pPr>
-            <a:r>
-              <a:rPr lang="en-US"/>
-              <a:t>Regarding hyperparameters:</a:t>
-            </a:r>
-            <a:endParaRPr lang="en-US"/>
-          </a:p>
-          <a:p>
-            <a:pPr algn="l"/>
-            <a:r>
-              <a:rPr lang="en-US"/>
-              <a:t>other parameters constant, increasing max_depth increased accurracy of the model</a:t>
-            </a:r>
-            <a:endParaRPr lang="en-US"/>
-          </a:p>
-          <a:p>
-            <a:pPr algn="l"/>
-            <a:r>
-              <a:rPr lang="en-US"/>
-              <a:t>max_leaf_nodes did the same as max_depth in contributing to accurracy</a:t>
-            </a:r>
-            <a:endParaRPr lang="en-US"/>
-          </a:p>
-          <a:p>
-            <a:pPr algn="l"/>
-            <a:r>
-              <a:rPr lang="en-US"/>
-              <a:t>pruning of trees by specifying ccp_alpha was very helpful in getting high accurracy with less complicated trees</a:t>
-            </a:r>
-            <a:endParaRPr lang="en-US"/>
-          </a:p>
-          <a:p>
-            <a:pPr algn="l"/>
-            <a:r>
-              <a:rPr lang="en-US"/>
-              <a:t>calculation of information gain using either gini or entropy didn’t affect the accurracy of our model in big way</a:t>
-            </a:r>
-            <a:endParaRPr lang="en-US"/>
-          </a:p>
-          <a:p>
-            <a:pPr marL="0" indent="0" algn="l">
-              <a:buNone/>
-            </a:pPr>
-            <a:endParaRPr lang="en-US"/>
-          </a:p>
-          <a:p>
-            <a:pPr algn="l"/>
-            <a:endParaRPr lang="en-US"/>
-          </a:p>
-        </p:txBody>
-      </p:sp>
+        </p:nvPicPr>
+        <p:blipFill>
+          <a:blip r:embed="rId2"/>
+          <a:stretch>
+            <a:fillRect/>
+          </a:stretch>
+        </p:blipFill>
+        <p:spPr>
+          <a:xfrm>
+            <a:off x="1925320" y="1691005"/>
+            <a:ext cx="6095365" cy="4689475"/>
+          </a:xfrm>
+          <a:prstGeom prst="rect">
+            <a:avLst/>
+          </a:prstGeom>
+        </p:spPr>
+      </p:pic>
     </p:spTree>
   </p:cSld>
   <p:clrMapOvr>
@@ -3796,7 +3755,44 @@
         <p:cNvGrpSpPr/>
         <p:nvPr/>
       </p:nvGrpSpPr>
-      <p:grpSpPr/>
+      <p:grpSpPr>
+        <a:xfrm>
+          <a:off x="0" y="0"/>
+          <a:ext cx="0" cy="0"/>
+          <a:chOff x="0" y="0"/>
+          <a:chExt cx="0" cy="0"/>
+        </a:xfrm>
+      </p:grpSpPr>
+      <p:sp>
+        <p:nvSpPr>
+          <p:cNvPr id="2" name="Title 1"/>
+          <p:cNvSpPr>
+            <a:spLocks noGrp="1"/>
+          </p:cNvSpPr>
+          <p:nvPr>
+            <p:ph type="title"/>
+          </p:nvPr>
+        </p:nvSpPr>
+        <p:spPr>
+          <a:xfrm>
+            <a:off x="697865" y="-73025"/>
+            <a:ext cx="10515600" cy="1325563"/>
+          </a:xfrm>
+        </p:spPr>
+        <p:txBody>
+          <a:bodyPr/>
+          <a:lstStyle/>
+          <a:p>
+            <a:pPr marL="0" indent="0">
+              <a:buFont typeface="Arial" panose="020B0604020202020204" pitchFamily="34" charset="0"/>
+            </a:pPr>
+            <a:r>
+              <a:rPr lang="en-US" b="1"/>
+              <a:t>CONCLUSIONS</a:t>
+            </a:r>
+          </a:p>
+        </p:txBody>
+      </p:sp>
       <p:sp>
         <p:nvSpPr>
           <p:cNvPr id="3" name="Content Placeholder 2"/>
@@ -3807,39 +3803,80 @@
             <p:ph idx="1"/>
           </p:nvPr>
         </p:nvSpPr>
-        <p:spPr/>
-        <p:txBody>
-          <a:bodyPr/>
-          <a:p>
-            <a:r>
-              <a:rPr lang="en-US"/>
-              <a:t>We hereby conclude, DecisionTree Classifier is a powerful tool . Using Decision Trees it is possible to derive simple rules in predicting classes (obesity levels) in our case.</a:t>
-            </a:r>
+        <p:spPr>
+          <a:xfrm>
+            <a:off x="816610" y="1036955"/>
+            <a:ext cx="11012170" cy="5612130"/>
+          </a:xfrm>
+        </p:spPr>
+        <p:txBody>
+          <a:bodyPr>
+            <a:normAutofit fontScale="92500"/>
+          </a:bodyPr>
+          <a:lstStyle/>
+          <a:p>
+            <a:pPr marL="0" indent="0" algn="l">
+              <a:buNone/>
+            </a:pPr>
+            <a:r>
+              <a:rPr lang="en-US"/>
+              <a:t>Hence, we successfully implemented Decision Tree Classifier to the obesity dataset. We saw that among all the attributes, most of the information was contained by only weight and height. </a:t>
+            </a:r>
+          </a:p>
+          <a:p>
+            <a:pPr marL="0" indent="0" algn="l">
+              <a:buNone/>
+            </a:pPr>
+            <a:r>
+              <a:rPr lang="en-US"/>
+              <a:t>We got accurracy as high as 97% with the decision trees and it was surprising to see that with only height and weight, obesity levels of a person coold be identified or diagnosed.</a:t>
+            </a:r>
+          </a:p>
+          <a:p>
+            <a:pPr marL="0" indent="0" algn="l">
+              <a:buNone/>
+            </a:pPr>
+            <a:r>
+              <a:rPr lang="en-US"/>
+              <a:t>Regarding hyperparameters:</a:t>
+            </a:r>
+          </a:p>
+          <a:p>
+            <a:pPr algn="l"/>
+            <a:r>
+              <a:rPr lang="en-US"/>
+              <a:t>other parameters constant, increasing max_depth increased accurracy of the model</a:t>
+            </a:r>
+          </a:p>
+          <a:p>
+            <a:pPr algn="l"/>
+            <a:r>
+              <a:rPr lang="en-US"/>
+              <a:t>max_leaf_nodes did the same as max_depth in contributing to accurracy</a:t>
+            </a:r>
+          </a:p>
+          <a:p>
+            <a:pPr algn="l"/>
+            <a:r>
+              <a:rPr lang="en-US"/>
+              <a:t>pruning of trees by specifying ccp_alpha was very helpful in getting high accurracy with less complicated trees</a:t>
+            </a:r>
+          </a:p>
+          <a:p>
+            <a:pPr algn="l"/>
+            <a:r>
+              <a:rPr lang="en-US"/>
+              <a:t>calculation of information gain using either gini or entropy didn’t affect the accurracy of our model in big way</a:t>
+            </a:r>
+          </a:p>
+          <a:p>
+            <a:pPr marL="0" indent="0" algn="l">
+              <a:buNone/>
+            </a:pPr>
             <a:endParaRPr lang="en-US"/>
           </a:p>
           <a:p>
-            <a:endParaRPr lang="en-US"/>
-          </a:p>
-          <a:p>
-            <a:endParaRPr lang="en-US"/>
-          </a:p>
-          <a:p>
-            <a:endParaRPr lang="en-US"/>
-          </a:p>
-          <a:p>
-            <a:endParaRPr lang="en-US"/>
-          </a:p>
-          <a:p>
-            <a:endParaRPr lang="en-US"/>
-          </a:p>
-          <a:p>
-            <a:pPr marL="0" indent="0">
-              <a:buNone/>
-            </a:pPr>
-            <a:r>
-              <a:rPr lang="en-US"/>
-              <a:t>                                           !! THANK YOU!!</a:t>
-            </a:r>
+            <a:pPr algn="l"/>
             <a:endParaRPr lang="en-US"/>
           </a:p>
         </p:txBody>
@@ -3861,46 +3898,231 @@
         <p:cNvGrpSpPr/>
         <p:nvPr/>
       </p:nvGrpSpPr>
-      <p:grpSpPr/>
-      <p:sp>
-        <p:nvSpPr>
-          <p:cNvPr id="3" name="Content Placeholder 2"/>
-          <p:cNvSpPr>
-            <a:spLocks noGrp="1"/>
-          </p:cNvSpPr>
-          <p:nvPr>
-            <p:ph idx="1"/>
-          </p:nvPr>
-        </p:nvSpPr>
-        <p:spPr>
-          <a:xfrm>
-            <a:off x="838200" y="558800"/>
-            <a:ext cx="3105150" cy="475615"/>
-          </a:xfrm>
-        </p:spPr>
-        <p:txBody>
-          <a:bodyPr>
-            <a:normAutofit fontScale="90000"/>
+      <p:grpSpPr>
+        <a:xfrm>
+          <a:off x="0" y="0"/>
+          <a:ext cx="0" cy="0"/>
+          <a:chOff x="0" y="0"/>
+          <a:chExt cx="0" cy="0"/>
+        </a:xfrm>
+      </p:grpSpPr>
+      <p:sp>
+        <p:nvSpPr>
+          <p:cNvPr id="4" name="Subtitle 2">
+            <a:extLst>
+              <a:ext uri="{FF2B5EF4-FFF2-40B4-BE49-F238E27FC236}">
+                <a16:creationId xmlns:a16="http://schemas.microsoft.com/office/drawing/2014/main" id="{A9B35458-28D5-3BA1-C616-F22AA157241D}"/>
+              </a:ext>
+            </a:extLst>
+          </p:cNvPr>
+          <p:cNvSpPr txBox="1">
+            <a:spLocks/>
+          </p:cNvSpPr>
+          <p:nvPr/>
+        </p:nvSpPr>
+        <p:spPr>
+          <a:xfrm>
+            <a:off x="463169" y="1307084"/>
+            <a:ext cx="2349500" cy="655320"/>
+          </a:xfrm>
+          <a:prstGeom prst="rect">
+            <a:avLst/>
+          </a:prstGeom>
+        </p:spPr>
+        <p:txBody>
+          <a:bodyPr vert="horz" lIns="91440" tIns="45720" rIns="91440" bIns="45720" rtlCol="0">
+            <a:normAutofit fontScale="85000" lnSpcReduction="10000"/>
           </a:bodyPr>
-          <a:p>
+          <a:lstStyle>
+            <a:lvl1pPr marL="228600" indent="-228600" algn="l" defTabSz="914400" rtl="0" eaLnBrk="1" latinLnBrk="0" hangingPunct="1">
+              <a:lnSpc>
+                <a:spcPct val="90000"/>
+              </a:lnSpc>
+              <a:spcBef>
+                <a:spcPts val="1000"/>
+              </a:spcBef>
+              <a:buFont typeface="Arial" panose="020B0604020202020204" pitchFamily="34" charset="0"/>
+              <a:buChar char="•"/>
+              <a:defRPr sz="2800" kern="1200">
+                <a:solidFill>
+                  <a:schemeClr val="tx1"/>
+                </a:solidFill>
+                <a:latin typeface="+mn-lt"/>
+                <a:ea typeface="+mn-ea"/>
+                <a:cs typeface="+mn-cs"/>
+              </a:defRPr>
+            </a:lvl1pPr>
+            <a:lvl2pPr marL="685800" indent="-228600" algn="l" defTabSz="914400" rtl="0" eaLnBrk="1" latinLnBrk="0" hangingPunct="1">
+              <a:lnSpc>
+                <a:spcPct val="90000"/>
+              </a:lnSpc>
+              <a:spcBef>
+                <a:spcPts val="500"/>
+              </a:spcBef>
+              <a:buFont typeface="Arial" panose="020B0604020202020204" pitchFamily="34" charset="0"/>
+              <a:buChar char="•"/>
+              <a:defRPr sz="2400" kern="1200">
+                <a:solidFill>
+                  <a:schemeClr val="tx1"/>
+                </a:solidFill>
+                <a:latin typeface="+mn-lt"/>
+                <a:ea typeface="+mn-ea"/>
+                <a:cs typeface="+mn-cs"/>
+              </a:defRPr>
+            </a:lvl2pPr>
+            <a:lvl3pPr marL="1143000" indent="-228600" algn="l" defTabSz="914400" rtl="0" eaLnBrk="1" latinLnBrk="0" hangingPunct="1">
+              <a:lnSpc>
+                <a:spcPct val="90000"/>
+              </a:lnSpc>
+              <a:spcBef>
+                <a:spcPts val="500"/>
+              </a:spcBef>
+              <a:buFont typeface="Arial" panose="020B0604020202020204" pitchFamily="34" charset="0"/>
+              <a:buChar char="•"/>
+              <a:defRPr sz="2000" kern="1200">
+                <a:solidFill>
+                  <a:schemeClr val="tx1"/>
+                </a:solidFill>
+                <a:latin typeface="+mn-lt"/>
+                <a:ea typeface="+mn-ea"/>
+                <a:cs typeface="+mn-cs"/>
+              </a:defRPr>
+            </a:lvl3pPr>
+            <a:lvl4pPr marL="1600200" indent="-228600" algn="l" defTabSz="914400" rtl="0" eaLnBrk="1" latinLnBrk="0" hangingPunct="1">
+              <a:lnSpc>
+                <a:spcPct val="90000"/>
+              </a:lnSpc>
+              <a:spcBef>
+                <a:spcPts val="500"/>
+              </a:spcBef>
+              <a:buFont typeface="Arial" panose="020B0604020202020204" pitchFamily="34" charset="0"/>
+              <a:buChar char="•"/>
+              <a:defRPr sz="1800" kern="1200">
+                <a:solidFill>
+                  <a:schemeClr val="tx1"/>
+                </a:solidFill>
+                <a:latin typeface="+mn-lt"/>
+                <a:ea typeface="+mn-ea"/>
+                <a:cs typeface="+mn-cs"/>
+              </a:defRPr>
+            </a:lvl4pPr>
+            <a:lvl5pPr marL="2057400" indent="-228600" algn="l" defTabSz="914400" rtl="0" eaLnBrk="1" latinLnBrk="0" hangingPunct="1">
+              <a:lnSpc>
+                <a:spcPct val="90000"/>
+              </a:lnSpc>
+              <a:spcBef>
+                <a:spcPts val="500"/>
+              </a:spcBef>
+              <a:buFont typeface="Arial" panose="020B0604020202020204" pitchFamily="34" charset="0"/>
+              <a:buChar char="•"/>
+              <a:defRPr sz="1800" kern="1200">
+                <a:solidFill>
+                  <a:schemeClr val="tx1"/>
+                </a:solidFill>
+                <a:latin typeface="+mn-lt"/>
+                <a:ea typeface="+mn-ea"/>
+                <a:cs typeface="+mn-cs"/>
+              </a:defRPr>
+            </a:lvl5pPr>
+            <a:lvl6pPr marL="2514600" indent="-228600" algn="l" defTabSz="914400" rtl="0" eaLnBrk="1" latinLnBrk="0" hangingPunct="1">
+              <a:lnSpc>
+                <a:spcPct val="90000"/>
+              </a:lnSpc>
+              <a:spcBef>
+                <a:spcPts val="500"/>
+              </a:spcBef>
+              <a:buFont typeface="Arial" panose="020B0604020202020204" pitchFamily="34" charset="0"/>
+              <a:buChar char="•"/>
+              <a:defRPr sz="1800" kern="1200">
+                <a:solidFill>
+                  <a:schemeClr val="tx1"/>
+                </a:solidFill>
+                <a:latin typeface="+mn-lt"/>
+                <a:ea typeface="+mn-ea"/>
+                <a:cs typeface="+mn-cs"/>
+              </a:defRPr>
+            </a:lvl6pPr>
+            <a:lvl7pPr marL="2971800" indent="-228600" algn="l" defTabSz="914400" rtl="0" eaLnBrk="1" latinLnBrk="0" hangingPunct="1">
+              <a:lnSpc>
+                <a:spcPct val="90000"/>
+              </a:lnSpc>
+              <a:spcBef>
+                <a:spcPts val="500"/>
+              </a:spcBef>
+              <a:buFont typeface="Arial" panose="020B0604020202020204" pitchFamily="34" charset="0"/>
+              <a:buChar char="•"/>
+              <a:defRPr sz="1800" kern="1200">
+                <a:solidFill>
+                  <a:schemeClr val="tx1"/>
+                </a:solidFill>
+                <a:latin typeface="+mn-lt"/>
+                <a:ea typeface="+mn-ea"/>
+                <a:cs typeface="+mn-cs"/>
+              </a:defRPr>
+            </a:lvl7pPr>
+            <a:lvl8pPr marL="3429000" indent="-228600" algn="l" defTabSz="914400" rtl="0" eaLnBrk="1" latinLnBrk="0" hangingPunct="1">
+              <a:lnSpc>
+                <a:spcPct val="90000"/>
+              </a:lnSpc>
+              <a:spcBef>
+                <a:spcPts val="500"/>
+              </a:spcBef>
+              <a:buFont typeface="Arial" panose="020B0604020202020204" pitchFamily="34" charset="0"/>
+              <a:buChar char="•"/>
+              <a:defRPr sz="1800" kern="1200">
+                <a:solidFill>
+                  <a:schemeClr val="tx1"/>
+                </a:solidFill>
+                <a:latin typeface="+mn-lt"/>
+                <a:ea typeface="+mn-ea"/>
+                <a:cs typeface="+mn-cs"/>
+              </a:defRPr>
+            </a:lvl8pPr>
+            <a:lvl9pPr marL="3886200" indent="-228600" algn="l" defTabSz="914400" rtl="0" eaLnBrk="1" latinLnBrk="0" hangingPunct="1">
+              <a:lnSpc>
+                <a:spcPct val="90000"/>
+              </a:lnSpc>
+              <a:spcBef>
+                <a:spcPts val="500"/>
+              </a:spcBef>
+              <a:buFont typeface="Arial" panose="020B0604020202020204" pitchFamily="34" charset="0"/>
+              <a:buChar char="•"/>
+              <a:defRPr sz="1800" kern="1200">
+                <a:solidFill>
+                  <a:schemeClr val="tx1"/>
+                </a:solidFill>
+                <a:latin typeface="+mn-lt"/>
+                <a:ea typeface="+mn-ea"/>
+                <a:cs typeface="+mn-cs"/>
+              </a:defRPr>
+            </a:lvl9pPr>
+          </a:lstStyle>
+          <a:p>
+            <a:pPr marL="457200" indent="-457200"/>
             <a:r>
               <a:rPr lang="en-US" b="1"/>
-              <a:t>Goal of the project</a:t>
-            </a:r>
-            <a:endParaRPr lang="en-US" b="1"/>
-          </a:p>
-        </p:txBody>
-      </p:sp>
-      <p:sp>
-        <p:nvSpPr>
-          <p:cNvPr id="4" name="Text Box 3"/>
+              <a:t>Introduction</a:t>
+            </a:r>
+            <a:endParaRPr lang="en-US" b="1" dirty="0"/>
+          </a:p>
+        </p:txBody>
+      </p:sp>
+      <p:sp>
+        <p:nvSpPr>
+          <p:cNvPr id="5" name="Text Box 4">
+            <a:extLst>
+              <a:ext uri="{FF2B5EF4-FFF2-40B4-BE49-F238E27FC236}">
+                <a16:creationId xmlns:a16="http://schemas.microsoft.com/office/drawing/2014/main" id="{94F5D98C-CB6E-6F7C-5002-FA7F30ECDF81}"/>
+              </a:ext>
+            </a:extLst>
+          </p:cNvPr>
           <p:cNvSpPr txBox="1"/>
           <p:nvPr/>
         </p:nvSpPr>
         <p:spPr>
           <a:xfrm>
-            <a:off x="1373505" y="1240790"/>
-            <a:ext cx="9007475" cy="4892675"/>
+            <a:off x="1388364" y="1962404"/>
+            <a:ext cx="9912985" cy="2676525"/>
           </a:xfrm>
           <a:prstGeom prst="rect">
             <a:avLst/>
@@ -3908,87 +4130,92 @@
           <a:noFill/>
         </p:spPr>
         <p:txBody>
-          <a:bodyPr wrap="square" rtlCol="0">
+          <a:bodyPr wrap="square" rtlCol="0" anchor="ctr" anchorCtr="0">
             <a:spAutoFit/>
           </a:bodyPr>
-          <a:p>
-            <a:pPr marL="342900" indent="-342900">
-              <a:buFont typeface="+mj-lt"/>
-              <a:buAutoNum type="arabicPeriod"/>
+          <a:lstStyle/>
+          <a:p>
+            <a:pPr algn="just"/>
+            <a:r>
+              <a:rPr lang="en-US" sz="2400" dirty="0"/>
+              <a:t>In this project, we are analyzing a dataset which classifies obesity levels in a patient based on different attributes. The dataset is taken from UCI Machine Learning Repository and contains 2111 instances and 17 attributes. The original data classifies a broad category of obesity , overweight levels, underweight condition and normal weight condition. For convenience we have reduced the classes to three categories : ‘Obesity’, ‘Overweight’ and ‘No Obesity.’ </a:t>
+            </a:r>
+          </a:p>
+        </p:txBody>
+      </p:sp>
+    </p:spTree>
+    <p:extLst>
+      <p:ext uri="{BB962C8B-B14F-4D97-AF65-F5344CB8AC3E}">
+        <p14:creationId xmlns:p14="http://schemas.microsoft.com/office/powerpoint/2010/main" val="645052103"/>
+      </p:ext>
+    </p:extLst>
+  </p:cSld>
+  <p:clrMapOvr>
+    <a:masterClrMapping/>
+  </p:clrMapOvr>
+</p:sld>
+</file>
+
+<file path=ppt/slides/slide20.xml><?xml version="1.0" encoding="utf-8"?>
+<p:sld xmlns:a="http://schemas.openxmlformats.org/drawingml/2006/main" xmlns:r="http://schemas.openxmlformats.org/officeDocument/2006/relationships" xmlns:p="http://schemas.openxmlformats.org/presentationml/2006/main">
+  <p:cSld>
+    <p:spTree>
+      <p:nvGrpSpPr>
+        <p:cNvPr id="1" name=""/>
+        <p:cNvGrpSpPr/>
+        <p:nvPr/>
+      </p:nvGrpSpPr>
+      <p:grpSpPr>
+        <a:xfrm>
+          <a:off x="0" y="0"/>
+          <a:ext cx="0" cy="0"/>
+          <a:chOff x="0" y="0"/>
+          <a:chExt cx="0" cy="0"/>
+        </a:xfrm>
+      </p:grpSpPr>
+      <p:sp>
+        <p:nvSpPr>
+          <p:cNvPr id="3" name="Content Placeholder 2"/>
+          <p:cNvSpPr>
+            <a:spLocks noGrp="1"/>
+          </p:cNvSpPr>
+          <p:nvPr>
+            <p:ph idx="1"/>
+          </p:nvPr>
+        </p:nvSpPr>
+        <p:spPr/>
+        <p:txBody>
+          <a:bodyPr/>
+          <a:lstStyle/>
+          <a:p>
+            <a:r>
+              <a:rPr lang="en-US"/>
+              <a:t>We hereby conclude, DecisionTree Classifier is a powerful tool . Using Decision Trees it is possible to derive simple rules in predicting classes (obesity levels) in our case.</a:t>
+            </a:r>
+          </a:p>
+          <a:p>
+            <a:endParaRPr lang="en-US"/>
+          </a:p>
+          <a:p>
+            <a:endParaRPr lang="en-US"/>
+          </a:p>
+          <a:p>
+            <a:endParaRPr lang="en-US"/>
+          </a:p>
+          <a:p>
+            <a:endParaRPr lang="en-US"/>
+          </a:p>
+          <a:p>
+            <a:endParaRPr lang="en-US"/>
+          </a:p>
+          <a:p>
+            <a:pPr marL="0" indent="0">
+              <a:buNone/>
             </a:pPr>
             <a:r>
-              <a:rPr lang="en-US" sz="2400"/>
-              <a:t>To conduct classification on obesity dataset using DecisionTreeClassifier</a:t>
-            </a:r>
-            <a:endParaRPr lang="en-US" sz="2400"/>
-          </a:p>
-          <a:p>
-            <a:pPr marL="342900" indent="-342900">
-              <a:buFont typeface="+mj-lt"/>
-              <a:buAutoNum type="arabicPeriod"/>
-            </a:pPr>
-            <a:endParaRPr lang="en-US" sz="2400"/>
-          </a:p>
-          <a:p>
-            <a:pPr marL="342900" indent="-342900">
-              <a:buFont typeface="+mj-lt"/>
-              <a:buAutoNum type="arabicPeriod"/>
-            </a:pPr>
-            <a:r>
-              <a:rPr lang="en-US" sz="2400"/>
-              <a:t>To understand how the different hyperparameters affect the accurracy of the classifier mmodel</a:t>
-            </a:r>
-            <a:endParaRPr lang="en-US" sz="2400"/>
-          </a:p>
-          <a:p>
-            <a:pPr marL="342900" indent="-342900">
-              <a:buFont typeface="+mj-lt"/>
-              <a:buAutoNum type="arabicPeriod"/>
-            </a:pPr>
-            <a:endParaRPr lang="en-US" sz="2400"/>
-          </a:p>
-          <a:p>
-            <a:pPr marL="342900" indent="-342900">
-              <a:buFont typeface="+mj-lt"/>
-              <a:buAutoNum type="arabicPeriod"/>
-            </a:pPr>
-            <a:r>
-              <a:rPr lang="en-US" sz="2400"/>
-              <a:t>To use the result of classification to derive a rule-based program(DSS) that diagnose obesity levels</a:t>
-            </a:r>
-            <a:endParaRPr lang="en-US" sz="2400"/>
-          </a:p>
-          <a:p>
-            <a:pPr marL="342900" indent="-342900">
-              <a:buFont typeface="+mj-lt"/>
-              <a:buAutoNum type="arabicPeriod"/>
-            </a:pPr>
-            <a:endParaRPr lang="en-US" sz="2400"/>
-          </a:p>
-          <a:p>
-            <a:pPr marL="342900" indent="-342900" algn="just">
-              <a:buFont typeface="+mj-lt"/>
-              <a:buAutoNum type="arabicPeriod"/>
-            </a:pPr>
-            <a:r>
-              <a:rPr lang="en-US" sz="2400"/>
-              <a:t>To use DSS to predict the obesity levels in a person based on certain attributes</a:t>
-            </a:r>
-            <a:endParaRPr lang="en-US" sz="2400"/>
-          </a:p>
-          <a:p>
-            <a:pPr marL="342900" indent="-342900">
-              <a:buFont typeface="+mj-lt"/>
-              <a:buAutoNum type="arabicPeriod"/>
-            </a:pPr>
-            <a:endParaRPr lang="en-US" sz="2400"/>
-          </a:p>
-          <a:p>
-            <a:pPr marL="342900" indent="-342900">
-              <a:buFont typeface="+mj-lt"/>
-              <a:buAutoNum type="arabicPeriod"/>
-            </a:pPr>
-            <a:endParaRPr lang="en-US" sz="2400"/>
+              <a:rPr lang="en-US"/>
+              <a:t>                                           !! THANK YOU!!</a:t>
+            </a:r>
           </a:p>
         </p:txBody>
       </p:sp>
@@ -4009,82 +4236,159 @@
         <p:cNvGrpSpPr/>
         <p:nvPr/>
       </p:nvGrpSpPr>
-      <p:grpSpPr/>
-      <p:sp>
-        <p:nvSpPr>
-          <p:cNvPr id="2" name="Title 1"/>
-          <p:cNvSpPr>
-            <a:spLocks noGrp="1"/>
-          </p:cNvSpPr>
-          <p:nvPr>
-            <p:ph type="title"/>
-          </p:nvPr>
-        </p:nvSpPr>
-        <p:spPr/>
-        <p:txBody>
-          <a:bodyPr/>
+      <p:grpSpPr>
+        <a:xfrm>
+          <a:off x="0" y="0"/>
+          <a:ext cx="0" cy="0"/>
+          <a:chOff x="0" y="0"/>
+          <a:chExt cx="0" cy="0"/>
+        </a:xfrm>
+      </p:grpSpPr>
+      <p:sp>
+        <p:nvSpPr>
+          <p:cNvPr id="3" name="Content Placeholder 2"/>
+          <p:cNvSpPr>
+            <a:spLocks noGrp="1"/>
+          </p:cNvSpPr>
+          <p:nvPr>
+            <p:ph idx="1"/>
+          </p:nvPr>
+        </p:nvSpPr>
+        <p:spPr>
+          <a:xfrm>
+            <a:off x="838200" y="558800"/>
+            <a:ext cx="3105150" cy="475615"/>
+          </a:xfrm>
+        </p:spPr>
+        <p:txBody>
+          <a:bodyPr>
+            <a:normAutofit fontScale="97500"/>
+          </a:bodyPr>
+          <a:lstStyle/>
           <a:p>
             <a:r>
               <a:rPr lang="en-US" b="1"/>
-              <a:t>DATASET</a:t>
-            </a:r>
-            <a:endParaRPr lang="en-US" b="1"/>
-          </a:p>
-        </p:txBody>
-      </p:sp>
-      <p:sp>
-        <p:nvSpPr>
-          <p:cNvPr id="3" name="Content Placeholder 2"/>
-          <p:cNvSpPr>
-            <a:spLocks noGrp="1"/>
-          </p:cNvSpPr>
-          <p:nvPr>
-            <p:ph sz="half" idx="1"/>
-          </p:nvPr>
-        </p:nvSpPr>
-        <p:spPr>
-          <a:xfrm>
-            <a:off x="838200" y="1399540"/>
-            <a:ext cx="10514965" cy="1327785"/>
-          </a:xfrm>
-        </p:spPr>
-        <p:txBody>
-          <a:bodyPr/>
-          <a:p>
-            <a:r>
-              <a:rPr lang="en-US"/>
-              <a:t>This dataset include data for the estimation of obesity levels in individuals from the countries of Mexico, Peru and Colombia, based on their eating habits and physical condition.</a:t>
-            </a:r>
-            <a:endParaRPr lang="en-US"/>
-          </a:p>
-        </p:txBody>
-      </p:sp>
-      <p:pic>
-        <p:nvPicPr>
-          <p:cNvPr id="4" name="Content Placeholder 3"/>
-          <p:cNvPicPr>
-            <a:picLocks noChangeAspect="1"/>
-          </p:cNvPicPr>
-          <p:nvPr>
-            <p:ph sz="half" idx="2"/>
-          </p:nvPr>
-        </p:nvPicPr>
-        <p:blipFill>
-          <a:blip r:embed="rId1"/>
-          <a:stretch>
-            <a:fillRect/>
-          </a:stretch>
-        </p:blipFill>
-        <p:spPr>
-          <a:xfrm>
-            <a:off x="1035050" y="2903220"/>
-            <a:ext cx="9973310" cy="2735580"/>
+              <a:t>Goal of the project</a:t>
+            </a:r>
+          </a:p>
+        </p:txBody>
+      </p:sp>
+      <p:sp>
+        <p:nvSpPr>
+          <p:cNvPr id="4" name="Text Box 3"/>
+          <p:cNvSpPr txBox="1"/>
+          <p:nvPr/>
+        </p:nvSpPr>
+        <p:spPr>
+          <a:xfrm>
+            <a:off x="1373505" y="1240790"/>
+            <a:ext cx="9007475" cy="4892675"/>
           </a:xfrm>
           <a:prstGeom prst="rect">
             <a:avLst/>
           </a:prstGeom>
-        </p:spPr>
-      </p:pic>
+          <a:noFill/>
+        </p:spPr>
+        <p:txBody>
+          <a:bodyPr wrap="square" rtlCol="0">
+            <a:spAutoFit/>
+          </a:bodyPr>
+          <a:lstStyle/>
+          <a:p>
+            <a:pPr marL="342900" indent="-342900">
+              <a:buFont typeface="+mj-lt"/>
+              <a:buAutoNum type="arabicPeriod"/>
+            </a:pPr>
+            <a:r>
+              <a:rPr lang="en-US" sz="2400" dirty="0"/>
+              <a:t>To conduct classification on obesity dataset using </a:t>
+            </a:r>
+            <a:r>
+              <a:rPr lang="en-US" sz="2400" dirty="0" err="1"/>
+              <a:t>DecisionTreeClassifier</a:t>
+            </a:r>
+            <a:endParaRPr lang="en-US" sz="2400" dirty="0"/>
+          </a:p>
+          <a:p>
+            <a:pPr marL="342900" indent="-342900">
+              <a:buFont typeface="+mj-lt"/>
+              <a:buAutoNum type="arabicPeriod"/>
+            </a:pPr>
+            <a:endParaRPr lang="en-US" sz="2400" dirty="0"/>
+          </a:p>
+          <a:p>
+            <a:pPr marL="342900" indent="-342900">
+              <a:buFont typeface="+mj-lt"/>
+              <a:buAutoNum type="arabicPeriod"/>
+            </a:pPr>
+            <a:r>
+              <a:rPr lang="en-US" sz="2400" dirty="0"/>
+              <a:t>To understand how the different hyperparameters affect the </a:t>
+            </a:r>
+            <a:r>
+              <a:rPr lang="en-US" sz="2400" dirty="0" err="1"/>
+              <a:t>accurracy</a:t>
+            </a:r>
+            <a:r>
+              <a:rPr lang="en-US" sz="2400" dirty="0"/>
+              <a:t> of the classifier </a:t>
+            </a:r>
+            <a:r>
+              <a:rPr lang="en-US" sz="2400" dirty="0" err="1"/>
+              <a:t>mmodel</a:t>
+            </a:r>
+            <a:endParaRPr lang="en-US" sz="2400" dirty="0"/>
+          </a:p>
+          <a:p>
+            <a:pPr marL="342900" indent="-342900">
+              <a:buFont typeface="+mj-lt"/>
+              <a:buAutoNum type="arabicPeriod"/>
+            </a:pPr>
+            <a:endParaRPr lang="en-US" sz="2400" dirty="0"/>
+          </a:p>
+          <a:p>
+            <a:pPr marL="342900" indent="-342900">
+              <a:buFont typeface="+mj-lt"/>
+              <a:buAutoNum type="arabicPeriod"/>
+            </a:pPr>
+            <a:r>
+              <a:rPr lang="en-US" sz="2400" dirty="0"/>
+              <a:t>To use the result of classification to derive a rule-based program(DSS) that diagnose obesity levels</a:t>
+            </a:r>
+          </a:p>
+          <a:p>
+            <a:pPr marL="342900" indent="-342900">
+              <a:buFont typeface="+mj-lt"/>
+              <a:buAutoNum type="arabicPeriod"/>
+            </a:pPr>
+            <a:endParaRPr lang="en-US" sz="2400" dirty="0"/>
+          </a:p>
+          <a:p>
+            <a:pPr marL="342900" indent="-342900" algn="just">
+              <a:buFont typeface="+mj-lt"/>
+              <a:buAutoNum type="arabicPeriod"/>
+            </a:pPr>
+            <a:r>
+              <a:rPr lang="en-US" sz="2400" dirty="0"/>
+              <a:t>To use DSS to predict the obesity levels in a person based on certain attributes</a:t>
+            </a:r>
+          </a:p>
+          <a:p>
+            <a:pPr marL="342900" indent="-342900">
+              <a:buFont typeface="+mj-lt"/>
+              <a:buAutoNum type="arabicPeriod"/>
+            </a:pPr>
+            <a:endParaRPr lang="en-US" sz="2400" dirty="0"/>
+          </a:p>
+          <a:p>
+            <a:pPr marL="342900" indent="-342900">
+              <a:buFont typeface="+mj-lt"/>
+              <a:buAutoNum type="arabicPeriod"/>
+            </a:pPr>
+            <a:endParaRPr lang="en-US" sz="2400" dirty="0"/>
+          </a:p>
+        </p:txBody>
+      </p:sp>
     </p:spTree>
   </p:cSld>
   <p:clrMapOvr>
@@ -4102,273 +4406,89 @@
         <p:cNvGrpSpPr/>
         <p:nvPr/>
       </p:nvGrpSpPr>
-      <p:grpSpPr/>
-      <p:sp>
-        <p:nvSpPr>
+      <p:grpSpPr>
+        <a:xfrm>
+          <a:off x="0" y="0"/>
+          <a:ext cx="0" cy="0"/>
+          <a:chOff x="0" y="0"/>
+          <a:chExt cx="0" cy="0"/>
+        </a:xfrm>
+      </p:grpSpPr>
+      <p:sp>
+        <p:nvSpPr>
+          <p:cNvPr id="2" name="Title 1"/>
+          <p:cNvSpPr>
+            <a:spLocks noGrp="1"/>
+          </p:cNvSpPr>
+          <p:nvPr>
+            <p:ph type="title"/>
+          </p:nvPr>
+        </p:nvSpPr>
+        <p:spPr/>
+        <p:txBody>
+          <a:bodyPr/>
+          <a:lstStyle/>
+          <a:p>
+            <a:r>
+              <a:rPr lang="en-US" b="1"/>
+              <a:t>DATASET</a:t>
+            </a:r>
+          </a:p>
+        </p:txBody>
+      </p:sp>
+      <p:sp>
+        <p:nvSpPr>
+          <p:cNvPr id="3" name="Content Placeholder 2"/>
+          <p:cNvSpPr>
+            <a:spLocks noGrp="1"/>
+          </p:cNvSpPr>
+          <p:nvPr>
+            <p:ph sz="half" idx="1"/>
+          </p:nvPr>
+        </p:nvSpPr>
+        <p:spPr>
+          <a:xfrm>
+            <a:off x="838200" y="1399540"/>
+            <a:ext cx="10514965" cy="1327785"/>
+          </a:xfrm>
+        </p:spPr>
+        <p:txBody>
+          <a:bodyPr/>
+          <a:lstStyle/>
+          <a:p>
+            <a:r>
+              <a:rPr lang="en-US"/>
+              <a:t>This dataset include data for the estimation of obesity levels in individuals from the countries of Mexico, Peru and Colombia, based on their eating habits and physical condition.</a:t>
+            </a:r>
+          </a:p>
+        </p:txBody>
+      </p:sp>
+      <p:pic>
+        <p:nvPicPr>
           <p:cNvPr id="4" name="Content Placeholder 3"/>
-          <p:cNvSpPr>
-            <a:spLocks noGrp="1"/>
-          </p:cNvSpPr>
+          <p:cNvPicPr>
+            <a:picLocks noGrp="1" noChangeAspect="1"/>
+          </p:cNvPicPr>
           <p:nvPr>
             <p:ph sz="half" idx="2"/>
           </p:nvPr>
-        </p:nvSpPr>
-        <p:spPr>
-          <a:xfrm>
-            <a:off x="1103630" y="601345"/>
-            <a:ext cx="2604135" cy="625475"/>
-          </a:xfrm>
-        </p:spPr>
-        <p:txBody>
-          <a:bodyPr/>
-          <a:p>
-            <a:r>
-              <a:rPr lang="en-US"/>
-              <a:t>Attributes </a:t>
-            </a:r>
-            <a:endParaRPr lang="en-US"/>
-          </a:p>
-          <a:p>
-            <a:pPr marL="0" indent="0">
-              <a:buNone/>
-            </a:pPr>
-            <a:endParaRPr lang="en-US"/>
-          </a:p>
-        </p:txBody>
-      </p:sp>
-      <p:sp>
-        <p:nvSpPr>
-          <p:cNvPr id="5" name="Text Box 4"/>
-          <p:cNvSpPr txBox="1"/>
-          <p:nvPr/>
-        </p:nvSpPr>
-        <p:spPr>
-          <a:xfrm>
-            <a:off x="1985645" y="1226820"/>
-            <a:ext cx="8220710" cy="5631180"/>
+        </p:nvPicPr>
+        <p:blipFill>
+          <a:blip r:embed="rId2"/>
+          <a:stretch>
+            <a:fillRect/>
+          </a:stretch>
+        </p:blipFill>
+        <p:spPr>
+          <a:xfrm>
+            <a:off x="1035050" y="2903220"/>
+            <a:ext cx="9973310" cy="2735580"/>
           </a:xfrm>
           <a:prstGeom prst="rect">
             <a:avLst/>
           </a:prstGeom>
-          <a:noFill/>
-        </p:spPr>
-        <p:txBody>
-          <a:bodyPr wrap="square" rtlCol="0">
-            <a:spAutoFit/>
-          </a:bodyPr>
-          <a:p>
-            <a:pPr marL="457200" indent="-457200">
-              <a:buFont typeface="Arial" panose="020B0604020202020204" pitchFamily="34" charset="0"/>
-              <a:buChar char="•"/>
-            </a:pPr>
-            <a:r>
-              <a:rPr lang="en-US" sz="2400">
-                <a:sym typeface="+mn-ea"/>
-              </a:rPr>
-              <a:t>Frequent consumption of high caloric food (FAVC)</a:t>
-            </a:r>
-            <a:endParaRPr lang="en-US" sz="2400">
-              <a:sym typeface="+mn-ea"/>
-            </a:endParaRPr>
-          </a:p>
-          <a:p>
-            <a:pPr marL="457200" indent="-457200">
-              <a:buFont typeface="Arial" panose="020B0604020202020204" pitchFamily="34" charset="0"/>
-              <a:buChar char="•"/>
-            </a:pPr>
-            <a:r>
-              <a:rPr lang="en-US" sz="2400">
-                <a:sym typeface="+mn-ea"/>
-              </a:rPr>
-              <a:t>Frequency of consumption of vegetables (FCVC)</a:t>
-            </a:r>
-            <a:endParaRPr lang="en-US" sz="2400">
-              <a:sym typeface="+mn-ea"/>
-            </a:endParaRPr>
-          </a:p>
-          <a:p>
-            <a:pPr marL="342900" indent="-342900">
-              <a:buFont typeface="Arial" panose="020B0604020202020204" pitchFamily="34" charset="0"/>
-              <a:buChar char="•"/>
-            </a:pPr>
-            <a:r>
-              <a:rPr lang="en-US" sz="2400">
-                <a:sym typeface="+mn-ea"/>
-              </a:rPr>
-              <a:t> Number of main meals (NCP)</a:t>
-            </a:r>
-            <a:endParaRPr lang="en-US" sz="2400">
-              <a:sym typeface="+mn-ea"/>
-            </a:endParaRPr>
-          </a:p>
-          <a:p>
-            <a:pPr marL="342900" indent="-342900">
-              <a:buFont typeface="Arial" panose="020B0604020202020204" pitchFamily="34" charset="0"/>
-              <a:buChar char="•"/>
-            </a:pPr>
-            <a:r>
-              <a:rPr lang="en-US" sz="2400">
-                <a:sym typeface="+mn-ea"/>
-              </a:rPr>
-              <a:t> Consumption of food between meals (CAEC)</a:t>
-            </a:r>
-            <a:endParaRPr lang="en-US" sz="2400">
-              <a:sym typeface="+mn-ea"/>
-            </a:endParaRPr>
-          </a:p>
-          <a:p>
-            <a:pPr marL="342900" indent="-342900">
-              <a:buFont typeface="Arial" panose="020B0604020202020204" pitchFamily="34" charset="0"/>
-              <a:buChar char="•"/>
-            </a:pPr>
-            <a:r>
-              <a:rPr lang="en-US" sz="2400">
-                <a:sym typeface="+mn-ea"/>
-              </a:rPr>
-              <a:t> Consumption of water daily (CH20)</a:t>
-            </a:r>
-            <a:endParaRPr lang="en-US" sz="2400">
-              <a:sym typeface="+mn-ea"/>
-            </a:endParaRPr>
-          </a:p>
-          <a:p>
-            <a:pPr marL="342900" indent="-342900">
-              <a:buFont typeface="Arial" panose="020B0604020202020204" pitchFamily="34" charset="0"/>
-              <a:buChar char="•"/>
-            </a:pPr>
-            <a:r>
-              <a:rPr lang="en-US" sz="2400">
-                <a:sym typeface="+mn-ea"/>
-              </a:rPr>
-              <a:t> Consumption of alcohol (CALC) </a:t>
-            </a:r>
-            <a:endParaRPr lang="en-US" sz="2400">
-              <a:sym typeface="+mn-ea"/>
-            </a:endParaRPr>
-          </a:p>
-          <a:p>
-            <a:pPr marL="342900" indent="-342900">
-              <a:buFont typeface="Arial" panose="020B0604020202020204" pitchFamily="34" charset="0"/>
-              <a:buChar char="•"/>
-            </a:pPr>
-            <a:r>
-              <a:rPr lang="en-US" sz="2400">
-                <a:sym typeface="+mn-ea"/>
-              </a:rPr>
-              <a:t> Calories consumption monitoring (SCC)</a:t>
-            </a:r>
-            <a:endParaRPr lang="en-US" sz="2400">
-              <a:sym typeface="+mn-ea"/>
-            </a:endParaRPr>
-          </a:p>
-          <a:p>
-            <a:pPr marL="342900" indent="-342900">
-              <a:buFont typeface="Arial" panose="020B0604020202020204" pitchFamily="34" charset="0"/>
-              <a:buChar char="•"/>
-            </a:pPr>
-            <a:r>
-              <a:rPr lang="en-US" sz="2400">
-                <a:sym typeface="+mn-ea"/>
-              </a:rPr>
-              <a:t>Physical activity frequency (FAF)</a:t>
-            </a:r>
-            <a:endParaRPr lang="en-US" sz="2400">
-              <a:sym typeface="+mn-ea"/>
-            </a:endParaRPr>
-          </a:p>
-          <a:p>
-            <a:pPr marL="342900" indent="-342900">
-              <a:buFont typeface="Arial" panose="020B0604020202020204" pitchFamily="34" charset="0"/>
-              <a:buChar char="•"/>
-            </a:pPr>
-            <a:r>
-              <a:rPr lang="en-US" sz="2400">
-                <a:sym typeface="+mn-ea"/>
-              </a:rPr>
-              <a:t>Time using technology devices (TUE)</a:t>
-            </a:r>
-            <a:endParaRPr lang="en-US" sz="2400">
-              <a:sym typeface="+mn-ea"/>
-            </a:endParaRPr>
-          </a:p>
-          <a:p>
-            <a:pPr marL="342900" indent="-342900">
-              <a:buFont typeface="Arial" panose="020B0604020202020204" pitchFamily="34" charset="0"/>
-              <a:buChar char="•"/>
-            </a:pPr>
-            <a:r>
-              <a:rPr lang="en-US" sz="2400">
-                <a:sym typeface="+mn-ea"/>
-              </a:rPr>
-              <a:t> Transportation used (MTRANS)</a:t>
-            </a:r>
-            <a:endParaRPr lang="en-US" sz="2400">
-              <a:sym typeface="+mn-ea"/>
-            </a:endParaRPr>
-          </a:p>
-          <a:p>
-            <a:pPr marL="342900" indent="-342900">
-              <a:buFont typeface="Arial" panose="020B0604020202020204" pitchFamily="34" charset="0"/>
-              <a:buChar char="•"/>
-            </a:pPr>
-            <a:r>
-              <a:rPr lang="en-US" sz="2400">
-                <a:sym typeface="+mn-ea"/>
-              </a:rPr>
-              <a:t> Gender</a:t>
-            </a:r>
-            <a:endParaRPr lang="en-US" sz="2400">
-              <a:sym typeface="+mn-ea"/>
-            </a:endParaRPr>
-          </a:p>
-          <a:p>
-            <a:pPr marL="342900" indent="-342900">
-              <a:buFont typeface="Arial" panose="020B0604020202020204" pitchFamily="34" charset="0"/>
-              <a:buChar char="•"/>
-            </a:pPr>
-            <a:r>
-              <a:rPr lang="en-US" sz="2400">
-                <a:sym typeface="+mn-ea"/>
-              </a:rPr>
-              <a:t>Age</a:t>
-            </a:r>
-            <a:endParaRPr lang="en-US" sz="2400">
-              <a:sym typeface="+mn-ea"/>
-            </a:endParaRPr>
-          </a:p>
-          <a:p>
-            <a:pPr marL="342900" indent="-342900">
-              <a:buFont typeface="Arial" panose="020B0604020202020204" pitchFamily="34" charset="0"/>
-              <a:buChar char="•"/>
-            </a:pPr>
-            <a:r>
-              <a:rPr lang="en-US" sz="2400">
-                <a:sym typeface="+mn-ea"/>
-              </a:rPr>
-              <a:t>Height</a:t>
-            </a:r>
-            <a:endParaRPr lang="en-US" sz="2400">
-              <a:sym typeface="+mn-ea"/>
-            </a:endParaRPr>
-          </a:p>
-          <a:p>
-            <a:pPr marL="342900" indent="-342900">
-              <a:buFont typeface="Arial" panose="020B0604020202020204" pitchFamily="34" charset="0"/>
-              <a:buChar char="•"/>
-            </a:pPr>
-            <a:r>
-              <a:rPr lang="en-US" sz="2400">
-                <a:sym typeface="+mn-ea"/>
-              </a:rPr>
-              <a:t>Weight. </a:t>
-            </a:r>
-            <a:endParaRPr lang="en-US" sz="2400"/>
-          </a:p>
-          <a:p>
-            <a:endParaRPr lang="en-US" sz="2400"/>
-          </a:p>
-        </p:txBody>
-      </p:sp>
+        </p:spPr>
+      </p:pic>
     </p:spTree>
   </p:cSld>
   <p:clrMapOvr>
@@ -4386,30 +4506,43 @@
         <p:cNvGrpSpPr/>
         <p:nvPr/>
       </p:nvGrpSpPr>
-      <p:grpSpPr/>
-      <p:sp>
-        <p:nvSpPr>
-          <p:cNvPr id="3" name="Content Placeholder 2"/>
-          <p:cNvSpPr>
-            <a:spLocks noGrp="1"/>
-          </p:cNvSpPr>
-          <p:nvPr>
-            <p:ph sz="half" idx="1"/>
-          </p:nvPr>
-        </p:nvSpPr>
-        <p:spPr>
-          <a:xfrm>
-            <a:off x="753110" y="526415"/>
-            <a:ext cx="5181600" cy="4351338"/>
-          </a:xfrm>
-        </p:spPr>
-        <p:txBody>
-          <a:bodyPr/>
-          <a:p>
-            <a:r>
-              <a:rPr lang="en-US"/>
-              <a:t>Classification Targets</a:t>
-            </a:r>
+      <p:grpSpPr>
+        <a:xfrm>
+          <a:off x="0" y="0"/>
+          <a:ext cx="0" cy="0"/>
+          <a:chOff x="0" y="0"/>
+          <a:chExt cx="0" cy="0"/>
+        </a:xfrm>
+      </p:grpSpPr>
+      <p:sp>
+        <p:nvSpPr>
+          <p:cNvPr id="4" name="Content Placeholder 3"/>
+          <p:cNvSpPr>
+            <a:spLocks noGrp="1"/>
+          </p:cNvSpPr>
+          <p:nvPr>
+            <p:ph sz="half" idx="2"/>
+          </p:nvPr>
+        </p:nvSpPr>
+        <p:spPr>
+          <a:xfrm>
+            <a:off x="1103630" y="601345"/>
+            <a:ext cx="2604135" cy="625475"/>
+          </a:xfrm>
+        </p:spPr>
+        <p:txBody>
+          <a:bodyPr/>
+          <a:lstStyle/>
+          <a:p>
+            <a:r>
+              <a:rPr lang="en-US"/>
+              <a:t>Attributes </a:t>
+            </a:r>
+          </a:p>
+          <a:p>
+            <a:pPr marL="0" indent="0">
+              <a:buNone/>
+            </a:pPr>
             <a:endParaRPr lang="en-US"/>
           </a:p>
         </p:txBody>
@@ -4422,8 +4555,8 @@
         </p:nvSpPr>
         <p:spPr>
           <a:xfrm>
-            <a:off x="1319530" y="1167130"/>
-            <a:ext cx="4615180" cy="4523105"/>
+            <a:off x="1985645" y="1226820"/>
+            <a:ext cx="8220710" cy="5631180"/>
           </a:xfrm>
           <a:prstGeom prst="rect">
             <a:avLst/>
@@ -4434,90 +4567,42 @@
           <a:bodyPr wrap="square" rtlCol="0">
             <a:spAutoFit/>
           </a:bodyPr>
-          <a:p>
-            <a:pPr marL="285750" indent="-285750">
+          <a:lstStyle/>
+          <a:p>
+            <a:pPr marL="457200" indent="-457200">
               <a:buFont typeface="Arial" panose="020B0604020202020204" pitchFamily="34" charset="0"/>
               <a:buChar char="•"/>
             </a:pPr>
             <a:r>
-              <a:rPr lang="en-US" sz="2400"/>
-              <a:t>Original Targets(7 classes)</a:t>
-            </a:r>
-            <a:endParaRPr lang="en-US" sz="2400"/>
-          </a:p>
-          <a:p>
-            <a:pPr marL="285750" indent="-285750">
+              <a:rPr lang="en-US" sz="2400">
+                <a:sym typeface="+mn-ea"/>
+              </a:rPr>
+              <a:t>Frequent consumption of high caloric food (FAVC)</a:t>
+            </a:r>
+          </a:p>
+          <a:p>
+            <a:pPr marL="457200" indent="-457200">
               <a:buFont typeface="Arial" panose="020B0604020202020204" pitchFamily="34" charset="0"/>
               <a:buChar char="•"/>
             </a:pPr>
-            <a:endParaRPr lang="en-US" sz="2400"/>
-          </a:p>
-          <a:p>
-            <a:pPr marL="285750" indent="-285750">
-              <a:buFont typeface="Arial" panose="020B0604020202020204" pitchFamily="34" charset="0"/>
-              <a:buChar char="•"/>
-            </a:pPr>
-            <a:endParaRPr lang="en-US" sz="2400"/>
-          </a:p>
-          <a:p>
-            <a:pPr marL="285750" indent="-285750">
-              <a:buFont typeface="Arial" panose="020B0604020202020204" pitchFamily="34" charset="0"/>
-              <a:buChar char="•"/>
-            </a:pPr>
-            <a:endParaRPr lang="en-US" sz="2400"/>
-          </a:p>
-          <a:p>
-            <a:pPr marL="285750" indent="-285750">
-              <a:buFont typeface="Arial" panose="020B0604020202020204" pitchFamily="34" charset="0"/>
-              <a:buChar char="•"/>
-            </a:pPr>
-            <a:endParaRPr lang="en-US" sz="2400"/>
-          </a:p>
-          <a:p>
-            <a:pPr marL="285750" indent="-285750">
-              <a:buFont typeface="Arial" panose="020B0604020202020204" pitchFamily="34" charset="0"/>
-              <a:buChar char="•"/>
-            </a:pPr>
-            <a:r>
-              <a:rPr lang="en-US" sz="2400"/>
-              <a:t>Operation</a:t>
-            </a:r>
-            <a:endParaRPr lang="en-US" sz="2400"/>
-          </a:p>
-          <a:p>
-            <a:pPr marL="285750" indent="-285750">
-              <a:buFont typeface="Arial" panose="020B0604020202020204" pitchFamily="34" charset="0"/>
-              <a:buChar char="•"/>
-            </a:pPr>
-            <a:endParaRPr lang="en-US" sz="2400"/>
-          </a:p>
-          <a:p>
-            <a:pPr marL="285750" indent="-285750">
-              <a:buFont typeface="Arial" panose="020B0604020202020204" pitchFamily="34" charset="0"/>
-              <a:buChar char="•"/>
-            </a:pPr>
-            <a:endParaRPr lang="en-US" sz="2400"/>
-          </a:p>
-          <a:p>
-            <a:pPr indent="0">
-              <a:buFont typeface="Arial" panose="020B0604020202020204" pitchFamily="34" charset="0"/>
-              <a:buNone/>
-            </a:pPr>
-            <a:endParaRPr lang="en-US" sz="2400"/>
-          </a:p>
-          <a:p>
-            <a:pPr indent="0">
-              <a:buFont typeface="Arial" panose="020B0604020202020204" pitchFamily="34" charset="0"/>
-              <a:buNone/>
-            </a:pPr>
-            <a:endParaRPr lang="en-US" sz="2400"/>
+            <a:r>
+              <a:rPr lang="en-US" sz="2400">
+                <a:sym typeface="+mn-ea"/>
+              </a:rPr>
+              <a:t>Frequency of consumption of vegetables (FCVC)</a:t>
+            </a:r>
           </a:p>
           <a:p>
             <a:pPr marL="342900" indent="-342900">
               <a:buFont typeface="Arial" panose="020B0604020202020204" pitchFamily="34" charset="0"/>
               <a:buChar char="•"/>
             </a:pPr>
-            <a:endParaRPr lang="en-US" sz="2400"/>
+            <a:r>
+              <a:rPr lang="en-US" sz="2400">
+                <a:sym typeface="+mn-ea"/>
+              </a:rPr>
+              <a:t> Number of main meals (NCP)</a:t>
+            </a:r>
           </a:p>
           <a:p>
             <a:pPr marL="342900" indent="-342900">
@@ -4525,87 +4610,138 @@
               <a:buChar char="•"/>
             </a:pPr>
             <a:r>
-              <a:rPr lang="en-US" sz="2400"/>
-              <a:t>Modified Targets(3 classes)</a:t>
+              <a:rPr lang="en-US" sz="2400">
+                <a:sym typeface="+mn-ea"/>
+              </a:rPr>
+              <a:t> Consumption of food between meals (CAEC)</a:t>
+            </a:r>
+          </a:p>
+          <a:p>
+            <a:pPr marL="342900" indent="-342900">
+              <a:buFont typeface="Arial" panose="020B0604020202020204" pitchFamily="34" charset="0"/>
+              <a:buChar char="•"/>
+            </a:pPr>
+            <a:r>
+              <a:rPr lang="en-US" sz="2400">
+                <a:sym typeface="+mn-ea"/>
+              </a:rPr>
+              <a:t> Consumption of water daily (CH20)</a:t>
+            </a:r>
+          </a:p>
+          <a:p>
+            <a:pPr marL="342900" indent="-342900">
+              <a:buFont typeface="Arial" panose="020B0604020202020204" pitchFamily="34" charset="0"/>
+              <a:buChar char="•"/>
+            </a:pPr>
+            <a:r>
+              <a:rPr lang="en-US" sz="2400">
+                <a:sym typeface="+mn-ea"/>
+              </a:rPr>
+              <a:t> Consumption of alcohol (CALC) </a:t>
+            </a:r>
+          </a:p>
+          <a:p>
+            <a:pPr marL="342900" indent="-342900">
+              <a:buFont typeface="Arial" panose="020B0604020202020204" pitchFamily="34" charset="0"/>
+              <a:buChar char="•"/>
+            </a:pPr>
+            <a:r>
+              <a:rPr lang="en-US" sz="2400">
+                <a:sym typeface="+mn-ea"/>
+              </a:rPr>
+              <a:t> Calories consumption monitoring (SCC)</a:t>
+            </a:r>
+          </a:p>
+          <a:p>
+            <a:pPr marL="342900" indent="-342900">
+              <a:buFont typeface="Arial" panose="020B0604020202020204" pitchFamily="34" charset="0"/>
+              <a:buChar char="•"/>
+            </a:pPr>
+            <a:r>
+              <a:rPr lang="en-US" sz="2400">
+                <a:sym typeface="+mn-ea"/>
+              </a:rPr>
+              <a:t>Physical activity frequency (FAF)</a:t>
+            </a:r>
+          </a:p>
+          <a:p>
+            <a:pPr marL="342900" indent="-342900">
+              <a:buFont typeface="Arial" panose="020B0604020202020204" pitchFamily="34" charset="0"/>
+              <a:buChar char="•"/>
+            </a:pPr>
+            <a:r>
+              <a:rPr lang="en-US" sz="2400">
+                <a:sym typeface="+mn-ea"/>
+              </a:rPr>
+              <a:t>Time using technology devices (TUE)</a:t>
+            </a:r>
+          </a:p>
+          <a:p>
+            <a:pPr marL="342900" indent="-342900">
+              <a:buFont typeface="Arial" panose="020B0604020202020204" pitchFamily="34" charset="0"/>
+              <a:buChar char="•"/>
+            </a:pPr>
+            <a:r>
+              <a:rPr lang="en-US" sz="2400">
+                <a:sym typeface="+mn-ea"/>
+              </a:rPr>
+              <a:t> Transportation used (MTRANS)</a:t>
+            </a:r>
+          </a:p>
+          <a:p>
+            <a:pPr marL="342900" indent="-342900">
+              <a:buFont typeface="Arial" panose="020B0604020202020204" pitchFamily="34" charset="0"/>
+              <a:buChar char="•"/>
+            </a:pPr>
+            <a:r>
+              <a:rPr lang="en-US" sz="2400">
+                <a:sym typeface="+mn-ea"/>
+              </a:rPr>
+              <a:t> Gender</a:t>
+            </a:r>
+          </a:p>
+          <a:p>
+            <a:pPr marL="342900" indent="-342900">
+              <a:buFont typeface="Arial" panose="020B0604020202020204" pitchFamily="34" charset="0"/>
+              <a:buChar char="•"/>
+            </a:pPr>
+            <a:r>
+              <a:rPr lang="en-US" sz="2400">
+                <a:sym typeface="+mn-ea"/>
+              </a:rPr>
+              <a:t>Age</a:t>
+            </a:r>
+          </a:p>
+          <a:p>
+            <a:pPr marL="342900" indent="-342900">
+              <a:buFont typeface="Arial" panose="020B0604020202020204" pitchFamily="34" charset="0"/>
+              <a:buChar char="•"/>
+            </a:pPr>
+            <a:r>
+              <a:rPr lang="en-US" sz="2400">
+                <a:sym typeface="+mn-ea"/>
+              </a:rPr>
+              <a:t>Height</a:t>
+            </a:r>
+          </a:p>
+          <a:p>
+            <a:pPr marL="342900" indent="-342900">
+              <a:buFont typeface="Arial" panose="020B0604020202020204" pitchFamily="34" charset="0"/>
+              <a:buChar char="•"/>
+            </a:pPr>
+            <a:r>
+              <a:rPr lang="en-US" sz="2400">
+                <a:sym typeface="+mn-ea"/>
+              </a:rPr>
+              <a:t>Weight. </a:t>
             </a:r>
             <a:endParaRPr lang="en-US" sz="2400"/>
           </a:p>
-        </p:txBody>
-      </p:sp>
-      <p:pic>
-        <p:nvPicPr>
-          <p:cNvPr id="6" name="Content Placeholder 5"/>
-          <p:cNvPicPr>
-            <a:picLocks noChangeAspect="1"/>
-          </p:cNvPicPr>
-          <p:nvPr>
-            <p:ph sz="half" idx="2"/>
-          </p:nvPr>
-        </p:nvPicPr>
-        <p:blipFill>
-          <a:blip r:embed="rId1"/>
-          <a:stretch>
-            <a:fillRect/>
-          </a:stretch>
-        </p:blipFill>
-        <p:spPr>
-          <a:xfrm>
-            <a:off x="2912745" y="1729740"/>
-            <a:ext cx="6622415" cy="1219835"/>
-          </a:xfrm>
-          <a:prstGeom prst="rect">
-            <a:avLst/>
-          </a:prstGeom>
-        </p:spPr>
-      </p:pic>
-      <p:pic>
-        <p:nvPicPr>
-          <p:cNvPr id="8" name="Picture 7"/>
-          <p:cNvPicPr>
-            <a:picLocks noChangeAspect="1"/>
-          </p:cNvPicPr>
-          <p:nvPr/>
-        </p:nvPicPr>
-        <p:blipFill>
-          <a:blip r:embed="rId2"/>
-          <a:stretch>
-            <a:fillRect/>
-          </a:stretch>
-        </p:blipFill>
-        <p:spPr>
-          <a:xfrm>
-            <a:off x="3093720" y="3194685"/>
-            <a:ext cx="5738495" cy="2110740"/>
-          </a:xfrm>
-          <a:prstGeom prst="rect">
-            <a:avLst/>
-          </a:prstGeom>
-        </p:spPr>
-      </p:pic>
-      <p:pic>
-        <p:nvPicPr>
-          <p:cNvPr id="9" name="Picture 8"/>
-          <p:cNvPicPr>
-            <a:picLocks noChangeAspect="1"/>
-          </p:cNvPicPr>
-          <p:nvPr/>
-        </p:nvPicPr>
-        <p:blipFill>
-          <a:blip r:embed="rId3"/>
-          <a:stretch>
-            <a:fillRect/>
-          </a:stretch>
-        </p:blipFill>
-        <p:spPr>
-          <a:xfrm>
-            <a:off x="2912745" y="5700395"/>
-            <a:ext cx="6286500" cy="895350"/>
-          </a:xfrm>
-          <a:prstGeom prst="rect">
-            <a:avLst/>
-          </a:prstGeom>
-        </p:spPr>
-      </p:pic>
+          <a:p>
+            <a:endParaRPr lang="en-US" sz="2400"/>
+          </a:p>
+        </p:txBody>
+      </p:sp>
     </p:spTree>
   </p:cSld>
   <p:clrMapOvr>
@@ -4623,7 +4759,14 @@
         <p:cNvGrpSpPr/>
         <p:nvPr/>
       </p:nvGrpSpPr>
-      <p:grpSpPr/>
+      <p:grpSpPr>
+        <a:xfrm>
+          <a:off x="0" y="0"/>
+          <a:ext cx="0" cy="0"/>
+          <a:chOff x="0" y="0"/>
+          <a:chExt cx="0" cy="0"/>
+        </a:xfrm>
+      </p:grpSpPr>
       <p:sp>
         <p:nvSpPr>
           <p:cNvPr id="3" name="Content Placeholder 2"/>
@@ -4636,74 +4779,205 @@
         </p:nvSpPr>
         <p:spPr>
           <a:xfrm>
-            <a:off x="838200" y="197485"/>
-            <a:ext cx="11029950" cy="6551295"/>
-          </a:xfrm>
-        </p:spPr>
-        <p:txBody>
-          <a:bodyPr/>
-          <a:p>
-            <a:r>
-              <a:rPr lang="en-US"/>
-              <a:t>Data Preparations</a:t>
-            </a:r>
-            <a:endParaRPr lang="en-US"/>
-          </a:p>
-          <a:p>
-            <a:endParaRPr lang="en-US"/>
-          </a:p>
-          <a:p>
+            <a:off x="753110" y="526415"/>
+            <a:ext cx="5181600" cy="4351338"/>
+          </a:xfrm>
+        </p:spPr>
+        <p:txBody>
+          <a:bodyPr/>
+          <a:lstStyle/>
+          <a:p>
+            <a:r>
+              <a:rPr lang="en-US"/>
+              <a:t>Classification Targets</a:t>
+            </a:r>
+          </a:p>
+        </p:txBody>
+      </p:sp>
+      <p:sp>
+        <p:nvSpPr>
+          <p:cNvPr id="5" name="Text Box 4"/>
+          <p:cNvSpPr txBox="1"/>
+          <p:nvPr/>
+        </p:nvSpPr>
+        <p:spPr>
+          <a:xfrm>
+            <a:off x="1319530" y="1167130"/>
+            <a:ext cx="4615180" cy="4523105"/>
+          </a:xfrm>
+          <a:prstGeom prst="rect">
+            <a:avLst/>
+          </a:prstGeom>
+          <a:noFill/>
+        </p:spPr>
+        <p:txBody>
+          <a:bodyPr wrap="square" rtlCol="0">
+            <a:spAutoFit/>
+          </a:bodyPr>
+          <a:lstStyle/>
+          <a:p>
+            <a:pPr marL="285750" indent="-285750">
+              <a:buFont typeface="Arial" panose="020B0604020202020204" pitchFamily="34" charset="0"/>
+              <a:buChar char="•"/>
+            </a:pPr>
             <a:r>
               <a:rPr lang="en-US" sz="2400"/>
-              <a:t>All categorical columns were</a:t>
-            </a:r>
-            <a:endParaRPr lang="en-US" sz="2400"/>
-          </a:p>
-          <a:p>
-            <a:pPr marL="0" indent="0">
-              <a:buNone/>
-            </a:pPr>
-            <a:r>
-              <a:rPr lang="en-US" sz="2400"/>
-              <a:t> encoded using labelencoder.</a:t>
-            </a:r>
-            <a:endParaRPr lang="en-US" sz="2400"/>
-          </a:p>
-          <a:p>
-            <a:pPr marL="0" indent="0">
-              <a:buNone/>
+              <a:t>Original Targets(7 classes)</a:t>
+            </a:r>
+          </a:p>
+          <a:p>
+            <a:pPr marL="285750" indent="-285750">
+              <a:buFont typeface="Arial" panose="020B0604020202020204" pitchFamily="34" charset="0"/>
+              <a:buChar char="•"/>
             </a:pPr>
             <a:endParaRPr lang="en-US" sz="2400"/>
           </a:p>
           <a:p>
+            <a:pPr marL="285750" indent="-285750">
+              <a:buFont typeface="Arial" panose="020B0604020202020204" pitchFamily="34" charset="0"/>
+              <a:buChar char="•"/>
+            </a:pPr>
+            <a:endParaRPr lang="en-US" sz="2400"/>
+          </a:p>
+          <a:p>
+            <a:pPr marL="285750" indent="-285750">
+              <a:buFont typeface="Arial" panose="020B0604020202020204" pitchFamily="34" charset="0"/>
+              <a:buChar char="•"/>
+            </a:pPr>
+            <a:endParaRPr lang="en-US" sz="2400"/>
+          </a:p>
+          <a:p>
+            <a:pPr marL="285750" indent="-285750">
+              <a:buFont typeface="Arial" panose="020B0604020202020204" pitchFamily="34" charset="0"/>
+              <a:buChar char="•"/>
+            </a:pPr>
+            <a:endParaRPr lang="en-US" sz="2400"/>
+          </a:p>
+          <a:p>
+            <a:pPr marL="285750" indent="-285750">
+              <a:buFont typeface="Arial" panose="020B0604020202020204" pitchFamily="34" charset="0"/>
+              <a:buChar char="•"/>
+            </a:pPr>
             <a:r>
               <a:rPr lang="en-US" sz="2400"/>
-              <a:t>Numeric columns were not scaled.</a:t>
-            </a:r>
+              <a:t>Operation</a:t>
+            </a:r>
+          </a:p>
+          <a:p>
+            <a:pPr marL="285750" indent="-285750">
+              <a:buFont typeface="Arial" panose="020B0604020202020204" pitchFamily="34" charset="0"/>
+              <a:buChar char="•"/>
+            </a:pPr>
             <a:endParaRPr lang="en-US" sz="2400"/>
+          </a:p>
+          <a:p>
+            <a:pPr marL="285750" indent="-285750">
+              <a:buFont typeface="Arial" panose="020B0604020202020204" pitchFamily="34" charset="0"/>
+              <a:buChar char="•"/>
+            </a:pPr>
+            <a:endParaRPr lang="en-US" sz="2400"/>
+          </a:p>
+          <a:p>
+            <a:pPr indent="0">
+              <a:buFont typeface="Arial" panose="020B0604020202020204" pitchFamily="34" charset="0"/>
+              <a:buNone/>
+            </a:pPr>
+            <a:endParaRPr lang="en-US" sz="2400"/>
+          </a:p>
+          <a:p>
+            <a:pPr indent="0">
+              <a:buFont typeface="Arial" panose="020B0604020202020204" pitchFamily="34" charset="0"/>
+              <a:buNone/>
+            </a:pPr>
+            <a:endParaRPr lang="en-US" sz="2400"/>
+          </a:p>
+          <a:p>
+            <a:pPr marL="342900" indent="-342900">
+              <a:buFont typeface="Arial" panose="020B0604020202020204" pitchFamily="34" charset="0"/>
+              <a:buChar char="•"/>
+            </a:pPr>
+            <a:endParaRPr lang="en-US" sz="2400"/>
+          </a:p>
+          <a:p>
+            <a:pPr marL="342900" indent="-342900">
+              <a:buFont typeface="Arial" panose="020B0604020202020204" pitchFamily="34" charset="0"/>
+              <a:buChar char="•"/>
+            </a:pPr>
+            <a:r>
+              <a:rPr lang="en-US" sz="2400"/>
+              <a:t>Modified Targets(3 classes)</a:t>
+            </a:r>
           </a:p>
         </p:txBody>
       </p:sp>
       <p:pic>
         <p:nvPicPr>
-          <p:cNvPr id="8" name="Content Placeholder 7"/>
+          <p:cNvPr id="6" name="Content Placeholder 5"/>
           <p:cNvPicPr>
-            <a:picLocks noChangeAspect="1"/>
+            <a:picLocks noGrp="1" noChangeAspect="1"/>
           </p:cNvPicPr>
           <p:nvPr>
             <p:ph sz="half" idx="2"/>
           </p:nvPr>
         </p:nvPicPr>
         <p:blipFill>
-          <a:blip r:embed="rId1"/>
+          <a:blip r:embed="rId2"/>
           <a:stretch>
             <a:fillRect/>
           </a:stretch>
         </p:blipFill>
         <p:spPr>
           <a:xfrm>
-            <a:off x="5383530" y="1546860"/>
-            <a:ext cx="6722110" cy="5080635"/>
+            <a:off x="2912745" y="1729740"/>
+            <a:ext cx="6622415" cy="1219835"/>
+          </a:xfrm>
+          <a:prstGeom prst="rect">
+            <a:avLst/>
+          </a:prstGeom>
+        </p:spPr>
+      </p:pic>
+      <p:pic>
+        <p:nvPicPr>
+          <p:cNvPr id="8" name="Picture 7"/>
+          <p:cNvPicPr>
+            <a:picLocks noChangeAspect="1"/>
+          </p:cNvPicPr>
+          <p:nvPr/>
+        </p:nvPicPr>
+        <p:blipFill>
+          <a:blip r:embed="rId3"/>
+          <a:stretch>
+            <a:fillRect/>
+          </a:stretch>
+        </p:blipFill>
+        <p:spPr>
+          <a:xfrm>
+            <a:off x="3093720" y="3194685"/>
+            <a:ext cx="5738495" cy="2110740"/>
+          </a:xfrm>
+          <a:prstGeom prst="rect">
+            <a:avLst/>
+          </a:prstGeom>
+        </p:spPr>
+      </p:pic>
+      <p:pic>
+        <p:nvPicPr>
+          <p:cNvPr id="9" name="Picture 8"/>
+          <p:cNvPicPr>
+            <a:picLocks noChangeAspect="1"/>
+          </p:cNvPicPr>
+          <p:nvPr/>
+        </p:nvPicPr>
+        <p:blipFill>
+          <a:blip r:embed="rId4"/>
+          <a:stretch>
+            <a:fillRect/>
+          </a:stretch>
+        </p:blipFill>
+        <p:spPr>
+          <a:xfrm>
+            <a:off x="2912745" y="5700395"/>
+            <a:ext cx="6286500" cy="895350"/>
           </a:xfrm>
           <a:prstGeom prst="rect">
             <a:avLst/>
@@ -4727,29 +5001,14 @@
         <p:cNvGrpSpPr/>
         <p:nvPr/>
       </p:nvGrpSpPr>
-      <p:grpSpPr/>
-      <p:sp>
-        <p:nvSpPr>
-          <p:cNvPr id="2" name="Title 1"/>
-          <p:cNvSpPr>
-            <a:spLocks noGrp="1"/>
-          </p:cNvSpPr>
-          <p:nvPr>
-            <p:ph type="title"/>
-          </p:nvPr>
-        </p:nvSpPr>
-        <p:spPr/>
-        <p:txBody>
-          <a:bodyPr/>
-          <a:p>
-            <a:r>
-              <a:rPr lang="en-US" b="1"/>
-              <a:t>Running Classifier</a:t>
-            </a:r>
-            <a:endParaRPr lang="en-US" b="1"/>
-          </a:p>
-        </p:txBody>
-      </p:sp>
+      <p:grpSpPr>
+        <a:xfrm>
+          <a:off x="0" y="0"/>
+          <a:ext cx="0" cy="0"/>
+          <a:chOff x="0" y="0"/>
+          <a:chExt cx="0" cy="0"/>
+        </a:xfrm>
+      </p:grpSpPr>
       <p:sp>
         <p:nvSpPr>
           <p:cNvPr id="3" name="Content Placeholder 2"/>
@@ -4762,56 +5021,60 @@
         </p:nvSpPr>
         <p:spPr>
           <a:xfrm>
-            <a:off x="838200" y="1825625"/>
-            <a:ext cx="7037070" cy="705485"/>
-          </a:xfrm>
-        </p:spPr>
-        <p:txBody>
-          <a:bodyPr>
-            <a:normAutofit fontScale="70000"/>
-          </a:bodyPr>
-          <a:p>
-            <a:r>
-              <a:rPr lang="en-US"/>
-              <a:t>Run 1(criterion = gini,  ccp_alpha = 0.01) ccp-alpha is responsible for pruning trees</a:t>
-            </a:r>
+            <a:off x="838200" y="197485"/>
+            <a:ext cx="11029950" cy="6551295"/>
+          </a:xfrm>
+        </p:spPr>
+        <p:txBody>
+          <a:bodyPr/>
+          <a:lstStyle/>
+          <a:p>
+            <a:r>
+              <a:rPr lang="en-US"/>
+              <a:t>Data Preparations</a:t>
+            </a:r>
+          </a:p>
+          <a:p>
             <a:endParaRPr lang="en-US"/>
+          </a:p>
+          <a:p>
+            <a:r>
+              <a:rPr lang="en-US" sz="2400"/>
+              <a:t>All categorical columns were</a:t>
+            </a:r>
+          </a:p>
+          <a:p>
+            <a:pPr marL="0" indent="0">
+              <a:buNone/>
+            </a:pPr>
+            <a:r>
+              <a:rPr lang="en-US" sz="2400"/>
+              <a:t> encoded using labelencoder.</a:t>
+            </a:r>
+          </a:p>
+          <a:p>
+            <a:pPr marL="0" indent="0">
+              <a:buNone/>
+            </a:pPr>
+            <a:endParaRPr lang="en-US" sz="2400"/>
+          </a:p>
+          <a:p>
+            <a:r>
+              <a:rPr lang="en-US" sz="2400"/>
+              <a:t>Numeric columns were not scaled.</a:t>
+            </a:r>
           </a:p>
         </p:txBody>
       </p:sp>
       <p:pic>
         <p:nvPicPr>
-          <p:cNvPr id="5" name="Content Placeholder 4"/>
+          <p:cNvPr id="8" name="Content Placeholder 7"/>
           <p:cNvPicPr>
-            <a:picLocks noChangeAspect="1"/>
+            <a:picLocks noGrp="1" noChangeAspect="1"/>
           </p:cNvPicPr>
           <p:nvPr>
             <p:ph sz="half" idx="2"/>
           </p:nvPr>
-        </p:nvPicPr>
-        <p:blipFill>
-          <a:blip r:embed="rId1"/>
-          <a:stretch>
-            <a:fillRect/>
-          </a:stretch>
-        </p:blipFill>
-        <p:spPr>
-          <a:xfrm>
-            <a:off x="1284605" y="2531110"/>
-            <a:ext cx="9627870" cy="2054225"/>
-          </a:xfrm>
-          <a:prstGeom prst="rect">
-            <a:avLst/>
-          </a:prstGeom>
-        </p:spPr>
-      </p:pic>
-      <p:pic>
-        <p:nvPicPr>
-          <p:cNvPr id="6" name="Picture 5"/>
-          <p:cNvPicPr>
-            <a:picLocks noChangeAspect="1"/>
-          </p:cNvPicPr>
-          <p:nvPr/>
         </p:nvPicPr>
         <p:blipFill>
           <a:blip r:embed="rId2"/>
@@ -4821,8 +5084,8 @@
         </p:blipFill>
         <p:spPr>
           <a:xfrm>
-            <a:off x="1355725" y="4735830"/>
-            <a:ext cx="7258050" cy="1571625"/>
+            <a:off x="5383530" y="1546860"/>
+            <a:ext cx="6722110" cy="5080635"/>
           </a:xfrm>
           <a:prstGeom prst="rect">
             <a:avLst/>
@@ -4846,7 +5109,36 @@
         <p:cNvGrpSpPr/>
         <p:nvPr/>
       </p:nvGrpSpPr>
-      <p:grpSpPr/>
+      <p:grpSpPr>
+        <a:xfrm>
+          <a:off x="0" y="0"/>
+          <a:ext cx="0" cy="0"/>
+          <a:chOff x="0" y="0"/>
+          <a:chExt cx="0" cy="0"/>
+        </a:xfrm>
+      </p:grpSpPr>
+      <p:sp>
+        <p:nvSpPr>
+          <p:cNvPr id="2" name="Title 1"/>
+          <p:cNvSpPr>
+            <a:spLocks noGrp="1"/>
+          </p:cNvSpPr>
+          <p:nvPr>
+            <p:ph type="title"/>
+          </p:nvPr>
+        </p:nvSpPr>
+        <p:spPr/>
+        <p:txBody>
+          <a:bodyPr/>
+          <a:lstStyle/>
+          <a:p>
+            <a:r>
+              <a:rPr lang="en-US" b="1"/>
+              <a:t>Running Classifier</a:t>
+            </a:r>
+          </a:p>
+        </p:txBody>
+      </p:sp>
       <p:sp>
         <p:nvSpPr>
           <p:cNvPr id="3" name="Content Placeholder 2"/>
@@ -4859,18 +5151,20 @@
         </p:nvSpPr>
         <p:spPr>
           <a:xfrm>
-            <a:off x="773430" y="240030"/>
-            <a:ext cx="5203825" cy="1104265"/>
-          </a:xfrm>
-        </p:spPr>
-        <p:txBody>
-          <a:bodyPr/>
-          <a:p>
-            <a:r>
-              <a:rPr lang="en-US"/>
-              <a:t>Decision Tree from Run #1</a:t>
-            </a:r>
-            <a:endParaRPr lang="en-US"/>
+            <a:off x="838200" y="1825625"/>
+            <a:ext cx="7037070" cy="705485"/>
+          </a:xfrm>
+        </p:spPr>
+        <p:txBody>
+          <a:bodyPr>
+            <a:normAutofit fontScale="85000" lnSpcReduction="10000"/>
+          </a:bodyPr>
+          <a:lstStyle/>
+          <a:p>
+            <a:r>
+              <a:rPr lang="en-US"/>
+              <a:t>Run 1(criterion = gini,  ccp_alpha = 0.01) ccp-alpha is responsible for pruning trees</a:t>
+            </a:r>
           </a:p>
         </p:txBody>
       </p:sp>
@@ -4878,22 +5172,46 @@
         <p:nvPicPr>
           <p:cNvPr id="5" name="Content Placeholder 4"/>
           <p:cNvPicPr>
-            <a:picLocks noChangeAspect="1"/>
+            <a:picLocks noGrp="1" noChangeAspect="1"/>
           </p:cNvPicPr>
           <p:nvPr>
             <p:ph sz="half" idx="2"/>
           </p:nvPr>
         </p:nvPicPr>
         <p:blipFill>
-          <a:blip r:embed="rId1"/>
+          <a:blip r:embed="rId2"/>
           <a:stretch>
             <a:fillRect/>
           </a:stretch>
         </p:blipFill>
         <p:spPr>
           <a:xfrm>
-            <a:off x="1165860" y="773430"/>
-            <a:ext cx="10382250" cy="5949315"/>
+            <a:off x="1284605" y="2531110"/>
+            <a:ext cx="9627870" cy="2054225"/>
+          </a:xfrm>
+          <a:prstGeom prst="rect">
+            <a:avLst/>
+          </a:prstGeom>
+        </p:spPr>
+      </p:pic>
+      <p:pic>
+        <p:nvPicPr>
+          <p:cNvPr id="6" name="Picture 5"/>
+          <p:cNvPicPr>
+            <a:picLocks noChangeAspect="1"/>
+          </p:cNvPicPr>
+          <p:nvPr/>
+        </p:nvPicPr>
+        <p:blipFill>
+          <a:blip r:embed="rId3"/>
+          <a:stretch>
+            <a:fillRect/>
+          </a:stretch>
+        </p:blipFill>
+        <p:spPr>
+          <a:xfrm>
+            <a:off x="1355725" y="4735830"/>
+            <a:ext cx="7258050" cy="1571625"/>
           </a:xfrm>
           <a:prstGeom prst="rect">
             <a:avLst/>
@@ -4917,78 +5235,61 @@
         <p:cNvGrpSpPr/>
         <p:nvPr/>
       </p:nvGrpSpPr>
-      <p:grpSpPr/>
-      <p:sp>
-        <p:nvSpPr>
-          <p:cNvPr id="2" name="Title 1"/>
-          <p:cNvSpPr>
-            <a:spLocks noGrp="1"/>
-          </p:cNvSpPr>
-          <p:nvPr>
-            <p:ph type="title"/>
-          </p:nvPr>
-        </p:nvSpPr>
-        <p:spPr/>
-        <p:txBody>
-          <a:bodyPr/>
-          <a:p>
-            <a:r>
-              <a:rPr lang="en-US"/>
-              <a:t>Run #2(max_depth = 10) no pruning</a:t>
-            </a:r>
-            <a:endParaRPr lang="en-US"/>
-          </a:p>
-        </p:txBody>
-      </p:sp>
-      <p:sp>
-        <p:nvSpPr>
-          <p:cNvPr id="5" name="Text Box 4"/>
-          <p:cNvSpPr txBox="1"/>
-          <p:nvPr/>
-        </p:nvSpPr>
-        <p:spPr>
-          <a:xfrm>
-            <a:off x="1282065" y="4371975"/>
-            <a:ext cx="7714615" cy="829945"/>
-          </a:xfrm>
-          <a:prstGeom prst="rect">
-            <a:avLst/>
-          </a:prstGeom>
-          <a:noFill/>
-        </p:spPr>
-        <p:txBody>
-          <a:bodyPr wrap="square" rtlCol="0">
-            <a:spAutoFit/>
-          </a:bodyPr>
-          <a:p>
-            <a:r>
-              <a:rPr lang="en-US" sz="2400" b="1"/>
-              <a:t>With higher max_depth, the accurracy improved but the tree became complex.</a:t>
-            </a:r>
-            <a:endParaRPr lang="en-US" sz="2400" b="1"/>
+      <p:grpSpPr>
+        <a:xfrm>
+          <a:off x="0" y="0"/>
+          <a:ext cx="0" cy="0"/>
+          <a:chOff x="0" y="0"/>
+          <a:chExt cx="0" cy="0"/>
+        </a:xfrm>
+      </p:grpSpPr>
+      <p:sp>
+        <p:nvSpPr>
+          <p:cNvPr id="3" name="Content Placeholder 2"/>
+          <p:cNvSpPr>
+            <a:spLocks noGrp="1"/>
+          </p:cNvSpPr>
+          <p:nvPr>
+            <p:ph sz="half" idx="1"/>
+          </p:nvPr>
+        </p:nvSpPr>
+        <p:spPr>
+          <a:xfrm>
+            <a:off x="773430" y="240030"/>
+            <a:ext cx="5203825" cy="1104265"/>
+          </a:xfrm>
+        </p:spPr>
+        <p:txBody>
+          <a:bodyPr/>
+          <a:lstStyle/>
+          <a:p>
+            <a:r>
+              <a:rPr lang="en-US"/>
+              <a:t>Decision Tree from Run #1</a:t>
+            </a:r>
           </a:p>
         </p:txBody>
       </p:sp>
       <p:pic>
         <p:nvPicPr>
-          <p:cNvPr id="7" name="Content Placeholder 6"/>
+          <p:cNvPr id="5" name="Content Placeholder 4"/>
           <p:cNvPicPr>
-            <a:picLocks noChangeAspect="1"/>
+            <a:picLocks noGrp="1" noChangeAspect="1"/>
           </p:cNvPicPr>
           <p:nvPr>
-            <p:ph idx="1"/>
+            <p:ph sz="half" idx="2"/>
           </p:nvPr>
         </p:nvPicPr>
         <p:blipFill>
-          <a:blip r:embed="rId1"/>
+          <a:blip r:embed="rId2"/>
           <a:stretch>
             <a:fillRect/>
           </a:stretch>
         </p:blipFill>
         <p:spPr>
           <a:xfrm>
-            <a:off x="838200" y="1910715"/>
-            <a:ext cx="10515600" cy="2000885"/>
+            <a:off x="1165860" y="773430"/>
+            <a:ext cx="10382250" cy="5949315"/>
           </a:xfrm>
           <a:prstGeom prst="rect">
             <a:avLst/>
@@ -5254,6 +5555,8 @@
       </a:bgFillStyleLst>
     </a:fmtScheme>
   </a:themeElements>
+  <a:objectDefaults/>
+  <a:extraClrSchemeLst/>
   <a:extLst>
     <a:ext uri="{05A4C25C-085E-4340-85A3-A5531E510DB2}">
       <thm15:themeFamily xmlns:thm15="http://schemas.microsoft.com/office/thememl/2012/main" name="Office Theme" id="{62F939B6-93AF-4DB8-9C6B-D6C7DFDC589F}" vid="{4A3C46E8-61CC-4603-A589-7422A47A8E4A}"/>
